--- a/doc/07.07/07.07_proposal.pptx
+++ b/doc/07.07/07.07_proposal.pptx
@@ -5,10 +5,10 @@
     <p:sldMasterId id="2147483648" r:id="rId1"/>
   </p:sldMasterIdLst>
   <p:notesMasterIdLst>
-    <p:notesMasterId r:id="rId16"/>
+    <p:notesMasterId r:id="rId10"/>
   </p:notesMasterIdLst>
   <p:handoutMasterIdLst>
-    <p:handoutMasterId r:id="rId17"/>
+    <p:handoutMasterId r:id="rId11"/>
   </p:handoutMasterIdLst>
   <p:sldIdLst>
     <p:sldId id="264" r:id="rId2"/>
@@ -16,15 +16,9 @@
     <p:sldId id="267" r:id="rId4"/>
     <p:sldId id="273" r:id="rId5"/>
     <p:sldId id="268" r:id="rId6"/>
-    <p:sldId id="269" r:id="rId7"/>
-    <p:sldId id="274" r:id="rId8"/>
+    <p:sldId id="274" r:id="rId7"/>
+    <p:sldId id="269" r:id="rId8"/>
     <p:sldId id="270" r:id="rId9"/>
-    <p:sldId id="275" r:id="rId10"/>
-    <p:sldId id="271" r:id="rId11"/>
-    <p:sldId id="272" r:id="rId12"/>
-    <p:sldId id="276" r:id="rId13"/>
-    <p:sldId id="278" r:id="rId14"/>
-    <p:sldId id="277" r:id="rId15"/>
   </p:sldIdLst>
   <p:sldSz cx="12192000" cy="6858000"/>
   <p:notesSz cx="6858000" cy="9144000"/>
@@ -834,7 +828,7 @@
   <pc:docChgLst>
     <pc:chgData name="哲畅 薛" userId="45e028c3e641bd70" providerId="LiveId" clId="{29048D89-392C-4136-AD43-A5D50A0C1218}"/>
     <pc:docChg chg="undo redo custSel addSld delSld modSld sldOrd">
-      <pc:chgData name="哲畅 薛" userId="45e028c3e641bd70" providerId="LiveId" clId="{29048D89-392C-4136-AD43-A5D50A0C1218}" dt="2023-07-05T12:45:47.205" v="2212"/>
+      <pc:chgData name="哲畅 薛" userId="45e028c3e641bd70" providerId="LiveId" clId="{29048D89-392C-4136-AD43-A5D50A0C1218}" dt="2023-07-07T02:20:13.570" v="2511" actId="1076"/>
       <pc:docMkLst>
         <pc:docMk/>
       </pc:docMkLst>
@@ -854,13 +848,13 @@
         </pc:spChg>
       </pc:sldChg>
       <pc:sldChg chg="addSp delSp modSp mod">
-        <pc:chgData name="哲畅 薛" userId="45e028c3e641bd70" providerId="LiveId" clId="{29048D89-392C-4136-AD43-A5D50A0C1218}" dt="2023-07-05T12:44:58.241" v="2198"/>
+        <pc:chgData name="哲畅 薛" userId="45e028c3e641bd70" providerId="LiveId" clId="{29048D89-392C-4136-AD43-A5D50A0C1218}" dt="2023-07-06T23:15:08.532" v="2239" actId="20577"/>
         <pc:sldMkLst>
           <pc:docMk/>
           <pc:sldMk cId="1754662791" sldId="266"/>
         </pc:sldMkLst>
         <pc:spChg chg="mod">
-          <ac:chgData name="哲畅 薛" userId="45e028c3e641bd70" providerId="LiveId" clId="{29048D89-392C-4136-AD43-A5D50A0C1218}" dt="2023-06-30T09:45:37.646" v="2089" actId="20577"/>
+          <ac:chgData name="哲畅 薛" userId="45e028c3e641bd70" providerId="LiveId" clId="{29048D89-392C-4136-AD43-A5D50A0C1218}" dt="2023-07-06T23:15:08.532" v="2239" actId="20577"/>
           <ac:spMkLst>
             <pc:docMk/>
             <pc:sldMk cId="1754662791" sldId="266"/>
@@ -940,7 +934,7 @@
         </pc:spChg>
       </pc:sldChg>
       <pc:sldChg chg="addSp delSp modSp mod ord">
-        <pc:chgData name="哲畅 薛" userId="45e028c3e641bd70" providerId="LiveId" clId="{29048D89-392C-4136-AD43-A5D50A0C1218}" dt="2023-07-05T12:45:12.297" v="2202"/>
+        <pc:chgData name="哲畅 薛" userId="45e028c3e641bd70" providerId="LiveId" clId="{29048D89-392C-4136-AD43-A5D50A0C1218}" dt="2023-07-07T02:20:13.570" v="2511" actId="1076"/>
         <pc:sldMkLst>
           <pc:docMk/>
           <pc:sldMk cId="2316541608" sldId="268"/>
@@ -954,7 +948,7 @@
           </ac:spMkLst>
         </pc:spChg>
         <pc:spChg chg="mod">
-          <ac:chgData name="哲畅 薛" userId="45e028c3e641bd70" providerId="LiveId" clId="{29048D89-392C-4136-AD43-A5D50A0C1218}" dt="2023-06-30T09:47:48.794" v="2173" actId="20577"/>
+          <ac:chgData name="哲畅 薛" userId="45e028c3e641bd70" providerId="LiveId" clId="{29048D89-392C-4136-AD43-A5D50A0C1218}" dt="2023-07-07T02:18:28.107" v="2484" actId="15"/>
           <ac:spMkLst>
             <pc:docMk/>
             <pc:sldMk cId="2316541608" sldId="268"/>
@@ -977,6 +971,14 @@
             <ac:spMk id="7" creationId="{03878157-6918-D59A-3789-8DC2EB8E6F0C}"/>
           </ac:spMkLst>
         </pc:spChg>
+        <pc:spChg chg="add mod">
+          <ac:chgData name="哲畅 薛" userId="45e028c3e641bd70" providerId="LiveId" clId="{29048D89-392C-4136-AD43-A5D50A0C1218}" dt="2023-07-07T02:20:13.570" v="2511" actId="1076"/>
+          <ac:spMkLst>
+            <pc:docMk/>
+            <pc:sldMk cId="2316541608" sldId="268"/>
+            <ac:spMk id="7" creationId="{3227EFA6-1A3C-C83E-EF87-F8A51BF6E566}"/>
+          </ac:spMkLst>
+        </pc:spChg>
         <pc:picChg chg="del">
           <ac:chgData name="哲畅 薛" userId="45e028c3e641bd70" providerId="LiveId" clId="{29048D89-392C-4136-AD43-A5D50A0C1218}" dt="2023-06-28T20:40:38.834" v="206" actId="478"/>
           <ac:picMkLst>
@@ -1011,17 +1013,33 @@
         </pc:picChg>
       </pc:sldChg>
       <pc:sldChg chg="addSp delSp modSp mod">
-        <pc:chgData name="哲畅 薛" userId="45e028c3e641bd70" providerId="LiveId" clId="{29048D89-392C-4136-AD43-A5D50A0C1218}" dt="2023-07-05T12:45:17.423" v="2205"/>
+        <pc:chgData name="哲畅 薛" userId="45e028c3e641bd70" providerId="LiveId" clId="{29048D89-392C-4136-AD43-A5D50A0C1218}" dt="2023-07-06T23:13:42.127" v="2234" actId="20577"/>
         <pc:sldMkLst>
           <pc:docMk/>
           <pc:sldMk cId="3654397029" sldId="269"/>
         </pc:sldMkLst>
+        <pc:spChg chg="mod">
+          <ac:chgData name="哲畅 薛" userId="45e028c3e641bd70" providerId="LiveId" clId="{29048D89-392C-4136-AD43-A5D50A0C1218}" dt="2023-07-06T23:13:36.189" v="2225" actId="20577"/>
+          <ac:spMkLst>
+            <pc:docMk/>
+            <pc:sldMk cId="3654397029" sldId="269"/>
+            <ac:spMk id="2" creationId="{D77A0549-EC48-084B-9491-8DBCF5888C38}"/>
+          </ac:spMkLst>
+        </pc:spChg>
         <pc:spChg chg="add mod">
           <ac:chgData name="哲畅 薛" userId="45e028c3e641bd70" providerId="LiveId" clId="{29048D89-392C-4136-AD43-A5D50A0C1218}" dt="2023-07-05T12:45:17.423" v="2205"/>
           <ac:spMkLst>
             <pc:docMk/>
             <pc:sldMk cId="3654397029" sldId="269"/>
             <ac:spMk id="3" creationId="{08CB117C-80F4-0D57-C772-EFE51479434C}"/>
+          </ac:spMkLst>
+        </pc:spChg>
+        <pc:spChg chg="mod">
+          <ac:chgData name="哲畅 薛" userId="45e028c3e641bd70" providerId="LiveId" clId="{29048D89-392C-4136-AD43-A5D50A0C1218}" dt="2023-07-06T23:13:42.127" v="2234" actId="20577"/>
+          <ac:spMkLst>
+            <pc:docMk/>
+            <pc:sldMk cId="3654397029" sldId="269"/>
+            <ac:spMk id="5" creationId="{445D3820-0C66-D04D-9162-C3447D297A63}"/>
           </ac:spMkLst>
         </pc:spChg>
         <pc:spChg chg="del mod">
@@ -1034,13 +1052,21 @@
         </pc:spChg>
       </pc:sldChg>
       <pc:sldChg chg="addSp delSp modSp mod ord">
-        <pc:chgData name="哲畅 薛" userId="45e028c3e641bd70" providerId="LiveId" clId="{29048D89-392C-4136-AD43-A5D50A0C1218}" dt="2023-07-05T12:45:25.688" v="2209"/>
+        <pc:chgData name="哲畅 薛" userId="45e028c3e641bd70" providerId="LiveId" clId="{29048D89-392C-4136-AD43-A5D50A0C1218}" dt="2023-07-07T01:08:55.211" v="2252" actId="20577"/>
         <pc:sldMkLst>
           <pc:docMk/>
           <pc:sldMk cId="3567624090" sldId="270"/>
         </pc:sldMkLst>
         <pc:spChg chg="mod">
-          <ac:chgData name="哲畅 薛" userId="45e028c3e641bd70" providerId="LiveId" clId="{29048D89-392C-4136-AD43-A5D50A0C1218}" dt="2023-06-30T02:32:36.553" v="1952"/>
+          <ac:chgData name="哲畅 薛" userId="45e028c3e641bd70" providerId="LiveId" clId="{29048D89-392C-4136-AD43-A5D50A0C1218}" dt="2023-07-06T23:14:54.545" v="2238" actId="20577"/>
+          <ac:spMkLst>
+            <pc:docMk/>
+            <pc:sldMk cId="3567624090" sldId="270"/>
+            <ac:spMk id="2" creationId="{D77A0549-EC48-084B-9491-8DBCF5888C38}"/>
+          </ac:spMkLst>
+        </pc:spChg>
+        <pc:spChg chg="mod">
+          <ac:chgData name="哲畅 薛" userId="45e028c3e641bd70" providerId="LiveId" clId="{29048D89-392C-4136-AD43-A5D50A0C1218}" dt="2023-07-07T01:08:55.211" v="2252" actId="20577"/>
           <ac:spMkLst>
             <pc:docMk/>
             <pc:sldMk cId="3567624090" sldId="270"/>
@@ -1064,8 +1090,8 @@
           </ac:spMkLst>
         </pc:spChg>
       </pc:sldChg>
-      <pc:sldChg chg="modSp mod ord">
-        <pc:chgData name="哲畅 薛" userId="45e028c3e641bd70" providerId="LiveId" clId="{29048D89-392C-4136-AD43-A5D50A0C1218}" dt="2023-06-30T02:21:05.591" v="1788"/>
+      <pc:sldChg chg="modSp del mod ord">
+        <pc:chgData name="哲畅 薛" userId="45e028c3e641bd70" providerId="LiveId" clId="{29048D89-392C-4136-AD43-A5D50A0C1218}" dt="2023-07-06T23:49:39.461" v="2240" actId="47"/>
         <pc:sldMkLst>
           <pc:docMk/>
           <pc:sldMk cId="802925574" sldId="271"/>
@@ -1079,8 +1105,8 @@
           </ac:spMkLst>
         </pc:spChg>
       </pc:sldChg>
-      <pc:sldChg chg="addSp delSp modSp mod ord">
-        <pc:chgData name="哲畅 薛" userId="45e028c3e641bd70" providerId="LiveId" clId="{29048D89-392C-4136-AD43-A5D50A0C1218}" dt="2023-06-30T02:21:05.591" v="1788"/>
+      <pc:sldChg chg="addSp delSp modSp del mod ord">
+        <pc:chgData name="哲畅 薛" userId="45e028c3e641bd70" providerId="LiveId" clId="{29048D89-392C-4136-AD43-A5D50A0C1218}" dt="2023-07-06T23:49:39.461" v="2240" actId="47"/>
         <pc:sldMkLst>
           <pc:docMk/>
           <pc:sldMk cId="3772656341" sldId="272"/>
@@ -1243,18 +1269,42 @@
           <pc:sldMk cId="1547856490" sldId="274"/>
         </pc:sldMkLst>
       </pc:sldChg>
-      <pc:sldChg chg="addSp delSp modSp add mod">
-        <pc:chgData name="哲畅 薛" userId="45e028c3e641bd70" providerId="LiveId" clId="{29048D89-392C-4136-AD43-A5D50A0C1218}" dt="2023-07-05T12:45:21.603" v="2207"/>
+      <pc:sldChg chg="addSp delSp modSp add mod ord">
+        <pc:chgData name="哲畅 薛" userId="45e028c3e641bd70" providerId="LiveId" clId="{29048D89-392C-4136-AD43-A5D50A0C1218}" dt="2023-07-07T01:08:32.214" v="2242" actId="20577"/>
         <pc:sldMkLst>
           <pc:docMk/>
           <pc:sldMk cId="2057791560" sldId="274"/>
         </pc:sldMkLst>
+        <pc:spChg chg="mod">
+          <ac:chgData name="哲畅 薛" userId="45e028c3e641bd70" providerId="LiveId" clId="{29048D89-392C-4136-AD43-A5D50A0C1218}" dt="2023-07-06T23:12:49.126" v="2223"/>
+          <ac:spMkLst>
+            <pc:docMk/>
+            <pc:sldMk cId="2057791560" sldId="274"/>
+            <ac:spMk id="2" creationId="{D77A0549-EC48-084B-9491-8DBCF5888C38}"/>
+          </ac:spMkLst>
+        </pc:spChg>
+        <pc:spChg chg="mod">
+          <ac:chgData name="哲畅 薛" userId="45e028c3e641bd70" providerId="LiveId" clId="{29048D89-392C-4136-AD43-A5D50A0C1218}" dt="2023-07-07T01:08:32.214" v="2242" actId="20577"/>
+          <ac:spMkLst>
+            <pc:docMk/>
+            <pc:sldMk cId="2057791560" sldId="274"/>
+            <ac:spMk id="3" creationId="{49A7830E-6D9B-EC49-9016-BD2272F775B6}"/>
+          </ac:spMkLst>
+        </pc:spChg>
         <pc:spChg chg="add mod">
           <ac:chgData name="哲畅 薛" userId="45e028c3e641bd70" providerId="LiveId" clId="{29048D89-392C-4136-AD43-A5D50A0C1218}" dt="2023-07-05T12:45:21.603" v="2207"/>
           <ac:spMkLst>
             <pc:docMk/>
             <pc:sldMk cId="2057791560" sldId="274"/>
             <ac:spMk id="4" creationId="{D2838CC1-66F0-3C0B-DDFC-EDB572510BA3}"/>
+          </ac:spMkLst>
+        </pc:spChg>
+        <pc:spChg chg="mod">
+          <ac:chgData name="哲畅 薛" userId="45e028c3e641bd70" providerId="LiveId" clId="{29048D89-392C-4136-AD43-A5D50A0C1218}" dt="2023-07-06T23:14:38.005" v="2237"/>
+          <ac:spMkLst>
+            <pc:docMk/>
+            <pc:sldMk cId="2057791560" sldId="274"/>
+            <ac:spMk id="5" creationId="{445D3820-0C66-D04D-9162-C3447D297A63}"/>
           </ac:spMkLst>
         </pc:spChg>
         <pc:spChg chg="del">
@@ -1266,8 +1316,8 @@
           </ac:spMkLst>
         </pc:spChg>
       </pc:sldChg>
-      <pc:sldChg chg="addSp delSp modSp add mod ord">
-        <pc:chgData name="哲畅 薛" userId="45e028c3e641bd70" providerId="LiveId" clId="{29048D89-392C-4136-AD43-A5D50A0C1218}" dt="2023-07-05T12:45:47.205" v="2212"/>
+      <pc:sldChg chg="addSp delSp modSp add del mod ord">
+        <pc:chgData name="哲畅 薛" userId="45e028c3e641bd70" providerId="LiveId" clId="{29048D89-392C-4136-AD43-A5D50A0C1218}" dt="2023-07-06T23:49:39.461" v="2240" actId="47"/>
         <pc:sldMkLst>
           <pc:docMk/>
           <pc:sldMk cId="726427121" sldId="275"/>
@@ -1345,8 +1395,8 @@
           </ac:picMkLst>
         </pc:picChg>
       </pc:sldChg>
-      <pc:sldChg chg="addSp delSp modSp add mod ord">
-        <pc:chgData name="哲畅 薛" userId="45e028c3e641bd70" providerId="LiveId" clId="{29048D89-392C-4136-AD43-A5D50A0C1218}" dt="2023-06-30T02:06:09.364" v="1774" actId="20577"/>
+      <pc:sldChg chg="addSp delSp modSp add del mod ord">
+        <pc:chgData name="哲畅 薛" userId="45e028c3e641bd70" providerId="LiveId" clId="{29048D89-392C-4136-AD43-A5D50A0C1218}" dt="2023-07-06T23:49:39.461" v="2240" actId="47"/>
         <pc:sldMkLst>
           <pc:docMk/>
           <pc:sldMk cId="2129779886" sldId="276"/>
@@ -1399,8 +1449,8 @@
           </ac:spMkLst>
         </pc:spChg>
       </pc:sldChg>
-      <pc:sldChg chg="modSp add mod">
-        <pc:chgData name="哲畅 薛" userId="45e028c3e641bd70" providerId="LiveId" clId="{29048D89-392C-4136-AD43-A5D50A0C1218}" dt="2023-06-30T02:26:36.356" v="1951" actId="5793"/>
+      <pc:sldChg chg="modSp add del mod">
+        <pc:chgData name="哲畅 薛" userId="45e028c3e641bd70" providerId="LiveId" clId="{29048D89-392C-4136-AD43-A5D50A0C1218}" dt="2023-07-06T23:49:39.461" v="2240" actId="47"/>
         <pc:sldMkLst>
           <pc:docMk/>
           <pc:sldMk cId="3890748340" sldId="277"/>
@@ -1422,8 +1472,8 @@
           </ac:spMkLst>
         </pc:spChg>
       </pc:sldChg>
-      <pc:sldChg chg="modSp add mod ord">
-        <pc:chgData name="哲畅 薛" userId="45e028c3e641bd70" providerId="LiveId" clId="{29048D89-392C-4136-AD43-A5D50A0C1218}" dt="2023-06-30T09:45:17.196" v="2068" actId="20577"/>
+      <pc:sldChg chg="modSp add del mod ord">
+        <pc:chgData name="哲畅 薛" userId="45e028c3e641bd70" providerId="LiveId" clId="{29048D89-392C-4136-AD43-A5D50A0C1218}" dt="2023-07-06T23:49:39.461" v="2240" actId="47"/>
         <pc:sldMkLst>
           <pc:docMk/>
           <pc:sldMk cId="2860042330" sldId="278"/>
@@ -4396,7 +4446,7 @@
             <a:fld id="{FA390034-B22F-454C-98D5-B3B46940354E}" type="datetime1">
               <a:rPr lang="de-DE" altLang="de-DE" sz="1200"/>
               <a:pPr algn="ctr"/>
-              <a:t>05.07.2023</a:t>
+              <a:t>07.07.2023</a:t>
             </a:fld>
             <a:endParaRPr lang="de-DE" altLang="de-DE" sz="1200" dirty="0"/>
           </a:p>
@@ -5666,2190 +5716,6 @@
 </p:sld>
 </file>
 
-<file path=ppt/slides/slide10.xml><?xml version="1.0" encoding="utf-8"?>
-<p:sld xmlns:a="http://schemas.openxmlformats.org/drawingml/2006/main" xmlns:r="http://schemas.openxmlformats.org/officeDocument/2006/relationships" xmlns:p="http://schemas.openxmlformats.org/presentationml/2006/main">
-  <p:cSld>
-    <p:spTree>
-      <p:nvGrpSpPr>
-        <p:cNvPr id="1" name=""/>
-        <p:cNvGrpSpPr/>
-        <p:nvPr/>
-      </p:nvGrpSpPr>
-      <p:grpSpPr>
-        <a:xfrm>
-          <a:off x="0" y="0"/>
-          <a:ext cx="0" cy="0"/>
-          <a:chOff x="0" y="0"/>
-          <a:chExt cx="0" cy="0"/>
-        </a:xfrm>
-      </p:grpSpPr>
-      <p:sp>
-        <p:nvSpPr>
-          <p:cNvPr id="2" name="标题 1">
-            <a:extLst>
-              <a:ext uri="{FF2B5EF4-FFF2-40B4-BE49-F238E27FC236}">
-                <a16:creationId xmlns:a16="http://schemas.microsoft.com/office/drawing/2014/main" id="{D77A0549-EC48-084B-9491-8DBCF5888C38}"/>
-              </a:ext>
-            </a:extLst>
-          </p:cNvPr>
-          <p:cNvSpPr>
-            <a:spLocks noGrp="1"/>
-          </p:cNvSpPr>
-          <p:nvPr>
-            <p:ph type="title"/>
-          </p:nvPr>
-        </p:nvSpPr>
-        <p:spPr>
-          <a:xfrm>
-            <a:off x="505869" y="260648"/>
-            <a:ext cx="9215967" cy="575336"/>
-          </a:xfrm>
-        </p:spPr>
-        <p:txBody>
-          <a:bodyPr/>
-          <a:lstStyle/>
-          <a:p>
-            <a:r>
-              <a:rPr lang="de-DE" altLang="zh-CN" dirty="0"/>
-              <a:t>Dataset</a:t>
-            </a:r>
-          </a:p>
-        </p:txBody>
-      </p:sp>
-      <p:sp>
-        <p:nvSpPr>
-          <p:cNvPr id="3" name="内容占位符 2">
-            <a:extLst>
-              <a:ext uri="{FF2B5EF4-FFF2-40B4-BE49-F238E27FC236}">
-                <a16:creationId xmlns:a16="http://schemas.microsoft.com/office/drawing/2014/main" id="{49A7830E-6D9B-EC49-9016-BD2272F775B6}"/>
-              </a:ext>
-            </a:extLst>
-          </p:cNvPr>
-          <p:cNvSpPr>
-            <a:spLocks noGrp="1"/>
-          </p:cNvSpPr>
-          <p:nvPr>
-            <p:ph idx="1"/>
-          </p:nvPr>
-        </p:nvSpPr>
-        <p:spPr/>
-        <p:txBody>
-          <a:bodyPr/>
-          <a:lstStyle/>
-          <a:p>
-            <a:r>
-              <a:rPr lang="de-DE" dirty="0"/>
-              <a:t>Method: 15 times</a:t>
-            </a:r>
-            <a:r>
-              <a:rPr lang="en-US" dirty="0"/>
-              <a:t>, 25 tests, decision tree vs ChatGPT</a:t>
-            </a:r>
-            <a:endParaRPr lang="de-DE" dirty="0"/>
-          </a:p>
-          <a:p>
-            <a:pPr lvl="1"/>
-            <a:r>
-              <a:rPr lang="de-DE" dirty="0"/>
-              <a:t>Decision tree: 100% correct on both datasets</a:t>
-            </a:r>
-          </a:p>
-          <a:p>
-            <a:pPr lvl="1"/>
-            <a:r>
-              <a:rPr lang="de-DE" dirty="0"/>
-              <a:t>ChatGPT: big range, not stable</a:t>
-            </a:r>
-          </a:p>
-          <a:p>
-            <a:pPr lvl="2"/>
-            <a:r>
-              <a:rPr lang="de-DE" dirty="0"/>
-              <a:t>Old_P</a:t>
-            </a:r>
-            <a:r>
-              <a:rPr lang="en-US" altLang="zh-CN" dirty="0" err="1"/>
-              <a:t>rompt</a:t>
-            </a:r>
-            <a:r>
-              <a:rPr lang="en-US" altLang="zh-CN" dirty="0"/>
-              <a:t>: There are A </a:t>
-            </a:r>
-            <a:r>
-              <a:rPr lang="en-US" altLang="zh-CN" dirty="0" err="1"/>
-              <a:t>acuteinflammation</a:t>
-            </a:r>
-            <a:r>
-              <a:rPr lang="en-US" altLang="zh-CN" dirty="0"/>
-              <a:t>, and each has B columns. Each column C is …</a:t>
-            </a:r>
-          </a:p>
-          <a:p>
-            <a:pPr marL="582662" lvl="3" indent="0">
-              <a:buNone/>
-            </a:pPr>
-            <a:r>
-              <a:rPr lang="en-US" dirty="0"/>
-              <a:t>		</a:t>
-            </a:r>
-            <a:r>
-              <a:rPr lang="en-US" sz="1800" dirty="0"/>
-              <a:t>Try to classify following… to Label 0.0 or 1.0, with the help of dataset given above. </a:t>
-            </a:r>
-          </a:p>
-          <a:p>
-            <a:pPr marL="582662" lvl="3" indent="0">
-              <a:buNone/>
-            </a:pPr>
-            <a:r>
-              <a:rPr lang="en-US" sz="1800" dirty="0"/>
-              <a:t>		Don’t show me the code. Give me the label in format: [label 1, label 2, ..., label D].</a:t>
-            </a:r>
-          </a:p>
-          <a:p>
-            <a:pPr marL="582662" lvl="3" indent="0">
-              <a:buNone/>
-            </a:pPr>
-            <a:r>
-              <a:rPr lang="de-DE" sz="1800" dirty="0"/>
-              <a:t>New_Prompt: </a:t>
-            </a:r>
-            <a:r>
-              <a:rPr lang="en-US" sz="1800" dirty="0"/>
-              <a:t>You are a data analyst, your job is to classify the given time series dataset.</a:t>
-            </a:r>
-          </a:p>
-          <a:p>
-            <a:pPr marL="582662" lvl="3" indent="0">
-              <a:buNone/>
-            </a:pPr>
-            <a:r>
-              <a:rPr lang="en-US" sz="1800" dirty="0"/>
-              <a:t>		There are 93 </a:t>
-            </a:r>
-            <a:r>
-              <a:rPr lang="en-US" sz="1800" dirty="0" err="1"/>
-              <a:t>acutenephritis</a:t>
-            </a:r>
-            <a:r>
-              <a:rPr lang="en-US" sz="1800" dirty="0"/>
-              <a:t>, and each has 6 columns.</a:t>
-            </a:r>
-          </a:p>
-          <a:p>
-            <a:pPr marL="582662" lvl="3" indent="0">
-              <a:buNone/>
-            </a:pPr>
-            <a:r>
-              <a:rPr lang="en-US" sz="1800" dirty="0"/>
-              <a:t>		The dataset will be given in format: [column 1, column 2, ..., column 6, label].</a:t>
-            </a:r>
-            <a:endParaRPr lang="de-DE" sz="1800" dirty="0"/>
-          </a:p>
-          <a:p>
-            <a:pPr lvl="2"/>
-            <a:r>
-              <a:rPr lang="de-DE" dirty="0"/>
-              <a:t>False rate</a:t>
-            </a:r>
-            <a:r>
-              <a:rPr lang="zh-CN" altLang="en-US" dirty="0"/>
-              <a:t>：</a:t>
-            </a:r>
-            <a:endParaRPr lang="en-US" altLang="zh-CN" dirty="0"/>
-          </a:p>
-          <a:p>
-            <a:pPr marL="582662" lvl="3" indent="0">
-              <a:buNone/>
-            </a:pPr>
-            <a:r>
-              <a:rPr lang="en-US" altLang="zh-CN" dirty="0" err="1"/>
-              <a:t>Acuteinflammation</a:t>
-            </a:r>
-            <a:r>
-              <a:rPr lang="zh-CN" altLang="en-US" dirty="0"/>
-              <a:t>：</a:t>
-            </a:r>
-            <a:r>
-              <a:rPr lang="en-US" altLang="zh-CN" dirty="0"/>
-              <a:t>20.0%, 16.0%, 20.0%, 20.0%, 20.0%, 36.0%, 20.0%, 28.0%, 16.0%, 20.0%, 16.0%, 16.0%, 20.0%, 28.0%, 20.0%</a:t>
-            </a:r>
-          </a:p>
-          <a:p>
-            <a:pPr marL="582662" lvl="3" indent="0">
-              <a:buNone/>
-            </a:pPr>
-            <a:r>
-              <a:rPr lang="en-US" altLang="zh-CN" dirty="0" err="1"/>
-              <a:t>Acutenephritis</a:t>
-            </a:r>
-            <a:r>
-              <a:rPr lang="zh-CN" altLang="en-US" dirty="0"/>
-              <a:t>：</a:t>
-            </a:r>
-            <a:r>
-              <a:rPr lang="de-DE" dirty="0"/>
-              <a:t>40.0%, 40.0%, 12.0%, 40.0%, 8.0%, 36.0%, 36.0%, 28.0%, 44.0%, 40.0%, 32.0%, 36.0%, 8.0%, 24.0%, 0.0%</a:t>
-            </a:r>
-          </a:p>
-          <a:p>
-            <a:pPr lvl="2"/>
-            <a:r>
-              <a:rPr lang="de-DE" dirty="0"/>
-              <a:t>A</a:t>
-            </a:r>
-            <a:r>
-              <a:rPr lang="en-US" altLang="zh-CN" dirty="0" err="1"/>
-              <a:t>verage</a:t>
-            </a:r>
-            <a:r>
-              <a:rPr lang="en-US" altLang="zh-CN" dirty="0"/>
-              <a:t>: 21.06%(35.2%), 28.26%(40.8%)</a:t>
-            </a:r>
-          </a:p>
-          <a:p>
-            <a:pPr lvl="2"/>
-            <a:endParaRPr lang="de-DE" dirty="0"/>
-          </a:p>
-          <a:p>
-            <a:endParaRPr lang="de-DE" dirty="0"/>
-          </a:p>
-          <a:p>
-            <a:endParaRPr lang="de-DE" dirty="0"/>
-          </a:p>
-        </p:txBody>
-      </p:sp>
-      <p:sp>
-        <p:nvSpPr>
-          <p:cNvPr id="5" name="内容占位符 4">
-            <a:extLst>
-              <a:ext uri="{FF2B5EF4-FFF2-40B4-BE49-F238E27FC236}">
-                <a16:creationId xmlns:a16="http://schemas.microsoft.com/office/drawing/2014/main" id="{445D3820-0C66-D04D-9162-C3447D297A63}"/>
-              </a:ext>
-            </a:extLst>
-          </p:cNvPr>
-          <p:cNvSpPr>
-            <a:spLocks noGrp="1"/>
-          </p:cNvSpPr>
-          <p:nvPr>
-            <p:ph sz="quarter" idx="12"/>
-          </p:nvPr>
-        </p:nvSpPr>
-        <p:spPr/>
-        <p:txBody>
-          <a:bodyPr/>
-          <a:lstStyle/>
-          <a:p>
-            <a:r>
-              <a:rPr lang="de-DE" dirty="0"/>
-              <a:t>Acuteinflammation &amp; acutenephritis</a:t>
-            </a:r>
-          </a:p>
-        </p:txBody>
-      </p:sp>
-      <p:sp>
-        <p:nvSpPr>
-          <p:cNvPr id="6" name="页脚占位符 5">
-            <a:extLst>
-              <a:ext uri="{FF2B5EF4-FFF2-40B4-BE49-F238E27FC236}">
-                <a16:creationId xmlns:a16="http://schemas.microsoft.com/office/drawing/2014/main" id="{0CF8B873-11B3-8A43-9A9C-860FB73713B4}"/>
-              </a:ext>
-            </a:extLst>
-          </p:cNvPr>
-          <p:cNvSpPr>
-            <a:spLocks noGrp="1"/>
-          </p:cNvSpPr>
-          <p:nvPr>
-            <p:ph type="ftr" sz="quarter" idx="13"/>
-          </p:nvPr>
-        </p:nvSpPr>
-        <p:spPr/>
-        <p:txBody>
-          <a:bodyPr/>
-          <a:lstStyle/>
-          <a:p>
-            <a:pPr algn="l"/>
-            <a:r>
-              <a:rPr lang="de-DE" dirty="0"/>
-              <a:t>Prof. Dr. Max Mustermann |  Name </a:t>
-            </a:r>
-            <a:r>
-              <a:rPr lang="de-DE" dirty="0" err="1"/>
-              <a:t>of</a:t>
-            </a:r>
-            <a:r>
-              <a:rPr lang="de-DE" dirty="0"/>
-              <a:t> </a:t>
-            </a:r>
-            <a:r>
-              <a:rPr lang="de-DE" dirty="0" err="1"/>
-              <a:t>Faculty</a:t>
-            </a:r>
-            <a:endParaRPr lang="de-DE" dirty="0"/>
-          </a:p>
-        </p:txBody>
-      </p:sp>
-      <p:sp>
-        <p:nvSpPr>
-          <p:cNvPr id="7" name="Rectangle 2">
-            <a:extLst>
-              <a:ext uri="{FF2B5EF4-FFF2-40B4-BE49-F238E27FC236}">
-                <a16:creationId xmlns:a16="http://schemas.microsoft.com/office/drawing/2014/main" id="{03878157-6918-D59A-3789-8DC2EB8E6F0C}"/>
-              </a:ext>
-            </a:extLst>
-          </p:cNvPr>
-          <p:cNvSpPr>
-            <a:spLocks noGrp="1" noChangeArrowheads="1"/>
-          </p:cNvSpPr>
-          <p:nvPr>
-            <p:ph sz="quarter" idx="11"/>
-          </p:nvPr>
-        </p:nvSpPr>
-        <p:spPr bwMode="auto">
-          <a:xfrm>
-            <a:off x="505868" y="287313"/>
-            <a:ext cx="8038403" cy="333375"/>
-          </a:xfrm>
-          <a:prstGeom prst="rect">
-            <a:avLst/>
-          </a:prstGeom>
-          <a:noFill/>
-          <a:ln>
-            <a:noFill/>
-          </a:ln>
-          <a:extLst>
-            <a:ext uri="{909E8E84-426E-40DD-AFC4-6F175D3DCCD1}">
-              <a14:hiddenFill xmlns:a14="http://schemas.microsoft.com/office/drawing/2010/main">
-                <a:solidFill>
-                  <a:srgbClr val="FFFFFF"/>
-                </a:solidFill>
-              </a14:hiddenFill>
-            </a:ext>
-            <a:ext uri="{91240B29-F687-4F45-9708-019B960494DF}">
-              <a14:hiddenLine xmlns:a14="http://schemas.microsoft.com/office/drawing/2010/main" w="9525">
-                <a:solidFill>
-                  <a:srgbClr val="000000"/>
-                </a:solidFill>
-                <a:miter lim="800000"/>
-                <a:headEnd/>
-                <a:tailEnd/>
-              </a14:hiddenLine>
-            </a:ext>
-          </a:extLst>
-        </p:spPr>
-        <p:txBody>
-          <a:bodyPr lIns="0" tIns="0" rIns="0" bIns="0" anchor="b"/>
-          <a:lstStyle>
-            <a:lvl1pPr eaLnBrk="0" hangingPunct="0">
-              <a:defRPr sz="2400" b="1">
-                <a:solidFill>
-                  <a:schemeClr val="tx2"/>
-                </a:solidFill>
-                <a:latin typeface="Arial" pitchFamily="34" charset="0"/>
-              </a:defRPr>
-            </a:lvl1pPr>
-            <a:lvl2pPr eaLnBrk="0" hangingPunct="0">
-              <a:defRPr sz="2400" b="1">
-                <a:solidFill>
-                  <a:schemeClr val="tx2"/>
-                </a:solidFill>
-                <a:latin typeface="Arial" pitchFamily="34" charset="0"/>
-              </a:defRPr>
-            </a:lvl2pPr>
-            <a:lvl3pPr eaLnBrk="0" hangingPunct="0">
-              <a:defRPr sz="2400" b="1">
-                <a:solidFill>
-                  <a:schemeClr val="tx2"/>
-                </a:solidFill>
-                <a:latin typeface="Arial" pitchFamily="34" charset="0"/>
-              </a:defRPr>
-            </a:lvl3pPr>
-            <a:lvl4pPr eaLnBrk="0" hangingPunct="0">
-              <a:defRPr sz="2400" b="1">
-                <a:solidFill>
-                  <a:schemeClr val="tx2"/>
-                </a:solidFill>
-                <a:latin typeface="Arial" pitchFamily="34" charset="0"/>
-              </a:defRPr>
-            </a:lvl4pPr>
-            <a:lvl5pPr eaLnBrk="0" hangingPunct="0">
-              <a:defRPr sz="2400" b="1">
-                <a:solidFill>
-                  <a:schemeClr val="tx2"/>
-                </a:solidFill>
-                <a:latin typeface="Arial" pitchFamily="34" charset="0"/>
-              </a:defRPr>
-            </a:lvl5pPr>
-            <a:lvl6pPr marL="457200" eaLnBrk="0" fontAlgn="base" hangingPunct="0">
-              <a:spcBef>
-                <a:spcPct val="0"/>
-              </a:spcBef>
-              <a:spcAft>
-                <a:spcPct val="0"/>
-              </a:spcAft>
-              <a:defRPr sz="2400" b="1">
-                <a:solidFill>
-                  <a:schemeClr val="tx2"/>
-                </a:solidFill>
-                <a:latin typeface="Arial" pitchFamily="34" charset="0"/>
-              </a:defRPr>
-            </a:lvl6pPr>
-            <a:lvl7pPr marL="914400" eaLnBrk="0" fontAlgn="base" hangingPunct="0">
-              <a:spcBef>
-                <a:spcPct val="0"/>
-              </a:spcBef>
-              <a:spcAft>
-                <a:spcPct val="0"/>
-              </a:spcAft>
-              <a:defRPr sz="2400" b="1">
-                <a:solidFill>
-                  <a:schemeClr val="tx2"/>
-                </a:solidFill>
-                <a:latin typeface="Arial" pitchFamily="34" charset="0"/>
-              </a:defRPr>
-            </a:lvl7pPr>
-            <a:lvl8pPr marL="1371600" eaLnBrk="0" fontAlgn="base" hangingPunct="0">
-              <a:spcBef>
-                <a:spcPct val="0"/>
-              </a:spcBef>
-              <a:spcAft>
-                <a:spcPct val="0"/>
-              </a:spcAft>
-              <a:defRPr sz="2400" b="1">
-                <a:solidFill>
-                  <a:schemeClr val="tx2"/>
-                </a:solidFill>
-                <a:latin typeface="Arial" pitchFamily="34" charset="0"/>
-              </a:defRPr>
-            </a:lvl8pPr>
-            <a:lvl9pPr marL="1828800" eaLnBrk="0" fontAlgn="base" hangingPunct="0">
-              <a:spcBef>
-                <a:spcPct val="0"/>
-              </a:spcBef>
-              <a:spcAft>
-                <a:spcPct val="0"/>
-              </a:spcAft>
-              <a:defRPr sz="2400" b="1">
-                <a:solidFill>
-                  <a:schemeClr val="tx2"/>
-                </a:solidFill>
-                <a:latin typeface="Arial" pitchFamily="34" charset="0"/>
-              </a:defRPr>
-            </a:lvl9pPr>
-          </a:lstStyle>
-          <a:p>
-            <a:pPr eaLnBrk="1" hangingPunct="1">
-              <a:lnSpc>
-                <a:spcPct val="90000"/>
-              </a:lnSpc>
-            </a:pPr>
-            <a:r>
-              <a:rPr lang="en-US" altLang="de-DE" sz="2200" dirty="0"/>
-              <a:t>Generate explanations for time-series classifier by ChatGPT</a:t>
-            </a:r>
-            <a:br>
-              <a:rPr lang="en-US" altLang="de-DE" sz="2200" dirty="0"/>
-            </a:br>
-            <a:endParaRPr lang="en-US" altLang="de-DE" sz="2200" dirty="0"/>
-          </a:p>
-        </p:txBody>
-      </p:sp>
-    </p:spTree>
-    <p:extLst>
-      <p:ext uri="{BB962C8B-B14F-4D97-AF65-F5344CB8AC3E}">
-        <p14:creationId xmlns:p14="http://schemas.microsoft.com/office/powerpoint/2010/main" val="802925574"/>
-      </p:ext>
-    </p:extLst>
-  </p:cSld>
-  <p:clrMapOvr>
-    <a:masterClrMapping/>
-  </p:clrMapOvr>
-</p:sld>
-</file>
-
-<file path=ppt/slides/slide11.xml><?xml version="1.0" encoding="utf-8"?>
-<p:sld xmlns:a="http://schemas.openxmlformats.org/drawingml/2006/main" xmlns:r="http://schemas.openxmlformats.org/officeDocument/2006/relationships" xmlns:p="http://schemas.openxmlformats.org/presentationml/2006/main">
-  <p:cSld>
-    <p:spTree>
-      <p:nvGrpSpPr>
-        <p:cNvPr id="1" name=""/>
-        <p:cNvGrpSpPr/>
-        <p:nvPr/>
-      </p:nvGrpSpPr>
-      <p:grpSpPr>
-        <a:xfrm>
-          <a:off x="0" y="0"/>
-          <a:ext cx="0" cy="0"/>
-          <a:chOff x="0" y="0"/>
-          <a:chExt cx="0" cy="0"/>
-        </a:xfrm>
-      </p:grpSpPr>
-      <p:sp>
-        <p:nvSpPr>
-          <p:cNvPr id="2" name="标题 1">
-            <a:extLst>
-              <a:ext uri="{FF2B5EF4-FFF2-40B4-BE49-F238E27FC236}">
-                <a16:creationId xmlns:a16="http://schemas.microsoft.com/office/drawing/2014/main" id="{D77A0549-EC48-084B-9491-8DBCF5888C38}"/>
-              </a:ext>
-            </a:extLst>
-          </p:cNvPr>
-          <p:cNvSpPr>
-            <a:spLocks noGrp="1"/>
-          </p:cNvSpPr>
-          <p:nvPr>
-            <p:ph type="title"/>
-          </p:nvPr>
-        </p:nvSpPr>
-        <p:spPr>
-          <a:xfrm>
-            <a:off x="505869" y="260648"/>
-            <a:ext cx="9215967" cy="575336"/>
-          </a:xfrm>
-        </p:spPr>
-        <p:txBody>
-          <a:bodyPr/>
-          <a:lstStyle/>
-          <a:p>
-            <a:r>
-              <a:rPr lang="de-DE" altLang="zh-CN" dirty="0"/>
-              <a:t>Dataset</a:t>
-            </a:r>
-          </a:p>
-        </p:txBody>
-      </p:sp>
-      <p:sp>
-        <p:nvSpPr>
-          <p:cNvPr id="3" name="内容占位符 2">
-            <a:extLst>
-              <a:ext uri="{FF2B5EF4-FFF2-40B4-BE49-F238E27FC236}">
-                <a16:creationId xmlns:a16="http://schemas.microsoft.com/office/drawing/2014/main" id="{49A7830E-6D9B-EC49-9016-BD2272F775B6}"/>
-              </a:ext>
-            </a:extLst>
-          </p:cNvPr>
-          <p:cNvSpPr>
-            <a:spLocks noGrp="1"/>
-          </p:cNvSpPr>
-          <p:nvPr>
-            <p:ph idx="1"/>
-          </p:nvPr>
-        </p:nvSpPr>
-        <p:spPr/>
-        <p:txBody>
-          <a:bodyPr/>
-          <a:lstStyle/>
-          <a:p>
-            <a:pPr lvl="2"/>
-            <a:endParaRPr lang="de-DE" dirty="0"/>
-          </a:p>
-          <a:p>
-            <a:endParaRPr lang="de-DE" dirty="0"/>
-          </a:p>
-          <a:p>
-            <a:endParaRPr lang="de-DE" dirty="0"/>
-          </a:p>
-        </p:txBody>
-      </p:sp>
-      <p:sp>
-        <p:nvSpPr>
-          <p:cNvPr id="5" name="内容占位符 4">
-            <a:extLst>
-              <a:ext uri="{FF2B5EF4-FFF2-40B4-BE49-F238E27FC236}">
-                <a16:creationId xmlns:a16="http://schemas.microsoft.com/office/drawing/2014/main" id="{445D3820-0C66-D04D-9162-C3447D297A63}"/>
-              </a:ext>
-            </a:extLst>
-          </p:cNvPr>
-          <p:cNvSpPr>
-            <a:spLocks noGrp="1"/>
-          </p:cNvSpPr>
-          <p:nvPr>
-            <p:ph sz="quarter" idx="12"/>
-          </p:nvPr>
-        </p:nvSpPr>
-        <p:spPr/>
-        <p:txBody>
-          <a:bodyPr/>
-          <a:lstStyle/>
-          <a:p>
-            <a:r>
-              <a:rPr lang="de-DE" dirty="0"/>
-              <a:t>Acuteinflammation &amp; acutenephritis</a:t>
-            </a:r>
-          </a:p>
-        </p:txBody>
-      </p:sp>
-      <p:sp>
-        <p:nvSpPr>
-          <p:cNvPr id="6" name="页脚占位符 5">
-            <a:extLst>
-              <a:ext uri="{FF2B5EF4-FFF2-40B4-BE49-F238E27FC236}">
-                <a16:creationId xmlns:a16="http://schemas.microsoft.com/office/drawing/2014/main" id="{0CF8B873-11B3-8A43-9A9C-860FB73713B4}"/>
-              </a:ext>
-            </a:extLst>
-          </p:cNvPr>
-          <p:cNvSpPr>
-            <a:spLocks noGrp="1"/>
-          </p:cNvSpPr>
-          <p:nvPr>
-            <p:ph type="ftr" sz="quarter" idx="13"/>
-          </p:nvPr>
-        </p:nvSpPr>
-        <p:spPr/>
-        <p:txBody>
-          <a:bodyPr/>
-          <a:lstStyle/>
-          <a:p>
-            <a:pPr algn="l"/>
-            <a:r>
-              <a:rPr lang="de-DE" dirty="0"/>
-              <a:t>Prof. Dr. Max Mustermann |  Name </a:t>
-            </a:r>
-            <a:r>
-              <a:rPr lang="de-DE" dirty="0" err="1"/>
-              <a:t>of</a:t>
-            </a:r>
-            <a:r>
-              <a:rPr lang="de-DE" dirty="0"/>
-              <a:t> </a:t>
-            </a:r>
-            <a:r>
-              <a:rPr lang="de-DE" dirty="0" err="1"/>
-              <a:t>Faculty</a:t>
-            </a:r>
-            <a:endParaRPr lang="de-DE" dirty="0"/>
-          </a:p>
-        </p:txBody>
-      </p:sp>
-      <p:sp>
-        <p:nvSpPr>
-          <p:cNvPr id="7" name="Rectangle 2">
-            <a:extLst>
-              <a:ext uri="{FF2B5EF4-FFF2-40B4-BE49-F238E27FC236}">
-                <a16:creationId xmlns:a16="http://schemas.microsoft.com/office/drawing/2014/main" id="{03878157-6918-D59A-3789-8DC2EB8E6F0C}"/>
-              </a:ext>
-            </a:extLst>
-          </p:cNvPr>
-          <p:cNvSpPr>
-            <a:spLocks noGrp="1" noChangeArrowheads="1"/>
-          </p:cNvSpPr>
-          <p:nvPr>
-            <p:ph sz="quarter" idx="11"/>
-          </p:nvPr>
-        </p:nvSpPr>
-        <p:spPr bwMode="auto">
-          <a:xfrm>
-            <a:off x="505868" y="287313"/>
-            <a:ext cx="8038403" cy="333375"/>
-          </a:xfrm>
-          <a:prstGeom prst="rect">
-            <a:avLst/>
-          </a:prstGeom>
-          <a:noFill/>
-          <a:ln>
-            <a:noFill/>
-          </a:ln>
-          <a:extLst>
-            <a:ext uri="{909E8E84-426E-40DD-AFC4-6F175D3DCCD1}">
-              <a14:hiddenFill xmlns:a14="http://schemas.microsoft.com/office/drawing/2010/main">
-                <a:solidFill>
-                  <a:srgbClr val="FFFFFF"/>
-                </a:solidFill>
-              </a14:hiddenFill>
-            </a:ext>
-            <a:ext uri="{91240B29-F687-4F45-9708-019B960494DF}">
-              <a14:hiddenLine xmlns:a14="http://schemas.microsoft.com/office/drawing/2010/main" w="9525">
-                <a:solidFill>
-                  <a:srgbClr val="000000"/>
-                </a:solidFill>
-                <a:miter lim="800000"/>
-                <a:headEnd/>
-                <a:tailEnd/>
-              </a14:hiddenLine>
-            </a:ext>
-          </a:extLst>
-        </p:spPr>
-        <p:txBody>
-          <a:bodyPr lIns="0" tIns="0" rIns="0" bIns="0" anchor="b"/>
-          <a:lstStyle>
-            <a:lvl1pPr eaLnBrk="0" hangingPunct="0">
-              <a:defRPr sz="2400" b="1">
-                <a:solidFill>
-                  <a:schemeClr val="tx2"/>
-                </a:solidFill>
-                <a:latin typeface="Arial" pitchFamily="34" charset="0"/>
-              </a:defRPr>
-            </a:lvl1pPr>
-            <a:lvl2pPr eaLnBrk="0" hangingPunct="0">
-              <a:defRPr sz="2400" b="1">
-                <a:solidFill>
-                  <a:schemeClr val="tx2"/>
-                </a:solidFill>
-                <a:latin typeface="Arial" pitchFamily="34" charset="0"/>
-              </a:defRPr>
-            </a:lvl2pPr>
-            <a:lvl3pPr eaLnBrk="0" hangingPunct="0">
-              <a:defRPr sz="2400" b="1">
-                <a:solidFill>
-                  <a:schemeClr val="tx2"/>
-                </a:solidFill>
-                <a:latin typeface="Arial" pitchFamily="34" charset="0"/>
-              </a:defRPr>
-            </a:lvl3pPr>
-            <a:lvl4pPr eaLnBrk="0" hangingPunct="0">
-              <a:defRPr sz="2400" b="1">
-                <a:solidFill>
-                  <a:schemeClr val="tx2"/>
-                </a:solidFill>
-                <a:latin typeface="Arial" pitchFamily="34" charset="0"/>
-              </a:defRPr>
-            </a:lvl4pPr>
-            <a:lvl5pPr eaLnBrk="0" hangingPunct="0">
-              <a:defRPr sz="2400" b="1">
-                <a:solidFill>
-                  <a:schemeClr val="tx2"/>
-                </a:solidFill>
-                <a:latin typeface="Arial" pitchFamily="34" charset="0"/>
-              </a:defRPr>
-            </a:lvl5pPr>
-            <a:lvl6pPr marL="457200" eaLnBrk="0" fontAlgn="base" hangingPunct="0">
-              <a:spcBef>
-                <a:spcPct val="0"/>
-              </a:spcBef>
-              <a:spcAft>
-                <a:spcPct val="0"/>
-              </a:spcAft>
-              <a:defRPr sz="2400" b="1">
-                <a:solidFill>
-                  <a:schemeClr val="tx2"/>
-                </a:solidFill>
-                <a:latin typeface="Arial" pitchFamily="34" charset="0"/>
-              </a:defRPr>
-            </a:lvl6pPr>
-            <a:lvl7pPr marL="914400" eaLnBrk="0" fontAlgn="base" hangingPunct="0">
-              <a:spcBef>
-                <a:spcPct val="0"/>
-              </a:spcBef>
-              <a:spcAft>
-                <a:spcPct val="0"/>
-              </a:spcAft>
-              <a:defRPr sz="2400" b="1">
-                <a:solidFill>
-                  <a:schemeClr val="tx2"/>
-                </a:solidFill>
-                <a:latin typeface="Arial" pitchFamily="34" charset="0"/>
-              </a:defRPr>
-            </a:lvl7pPr>
-            <a:lvl8pPr marL="1371600" eaLnBrk="0" fontAlgn="base" hangingPunct="0">
-              <a:spcBef>
-                <a:spcPct val="0"/>
-              </a:spcBef>
-              <a:spcAft>
-                <a:spcPct val="0"/>
-              </a:spcAft>
-              <a:defRPr sz="2400" b="1">
-                <a:solidFill>
-                  <a:schemeClr val="tx2"/>
-                </a:solidFill>
-                <a:latin typeface="Arial" pitchFamily="34" charset="0"/>
-              </a:defRPr>
-            </a:lvl8pPr>
-            <a:lvl9pPr marL="1828800" eaLnBrk="0" fontAlgn="base" hangingPunct="0">
-              <a:spcBef>
-                <a:spcPct val="0"/>
-              </a:spcBef>
-              <a:spcAft>
-                <a:spcPct val="0"/>
-              </a:spcAft>
-              <a:defRPr sz="2400" b="1">
-                <a:solidFill>
-                  <a:schemeClr val="tx2"/>
-                </a:solidFill>
-                <a:latin typeface="Arial" pitchFamily="34" charset="0"/>
-              </a:defRPr>
-            </a:lvl9pPr>
-          </a:lstStyle>
-          <a:p>
-            <a:pPr eaLnBrk="1" hangingPunct="1">
-              <a:lnSpc>
-                <a:spcPct val="90000"/>
-              </a:lnSpc>
-            </a:pPr>
-            <a:r>
-              <a:rPr lang="en-US" altLang="de-DE" sz="2200" dirty="0"/>
-              <a:t>Generate explanations for time-series classifier by ChatGPT</a:t>
-            </a:r>
-            <a:br>
-              <a:rPr lang="en-US" altLang="de-DE" sz="2200" dirty="0"/>
-            </a:br>
-            <a:endParaRPr lang="en-US" altLang="de-DE" sz="2200" dirty="0"/>
-          </a:p>
-        </p:txBody>
-      </p:sp>
-      <p:pic>
-        <p:nvPicPr>
-          <p:cNvPr id="9" name="图片 8">
-            <a:extLst>
-              <a:ext uri="{FF2B5EF4-FFF2-40B4-BE49-F238E27FC236}">
-                <a16:creationId xmlns:a16="http://schemas.microsoft.com/office/drawing/2014/main" id="{F1141D2B-79C7-170C-B91A-FBDEC01D1C85}"/>
-              </a:ext>
-            </a:extLst>
-          </p:cNvPr>
-          <p:cNvPicPr>
-            <a:picLocks noChangeAspect="1"/>
-          </p:cNvPicPr>
-          <p:nvPr/>
-        </p:nvPicPr>
-        <p:blipFill>
-          <a:blip r:embed="rId2"/>
-          <a:stretch>
-            <a:fillRect/>
-          </a:stretch>
-        </p:blipFill>
-        <p:spPr>
-          <a:xfrm>
-            <a:off x="263352" y="1155925"/>
-            <a:ext cx="9361039" cy="2589422"/>
-          </a:xfrm>
-          <a:prstGeom prst="rect">
-            <a:avLst/>
-          </a:prstGeom>
-        </p:spPr>
-      </p:pic>
-      <p:pic>
-        <p:nvPicPr>
-          <p:cNvPr id="12" name="图片 11">
-            <a:extLst>
-              <a:ext uri="{FF2B5EF4-FFF2-40B4-BE49-F238E27FC236}">
-                <a16:creationId xmlns:a16="http://schemas.microsoft.com/office/drawing/2014/main" id="{310147C5-CA32-096E-EEEE-96B766A03EC5}"/>
-              </a:ext>
-            </a:extLst>
-          </p:cNvPr>
-          <p:cNvPicPr>
-            <a:picLocks noChangeAspect="1"/>
-          </p:cNvPicPr>
-          <p:nvPr/>
-        </p:nvPicPr>
-        <p:blipFill>
-          <a:blip r:embed="rId3"/>
-          <a:stretch>
-            <a:fillRect/>
-          </a:stretch>
-        </p:blipFill>
-        <p:spPr>
-          <a:xfrm>
-            <a:off x="272645" y="3800514"/>
-            <a:ext cx="9361039" cy="2633085"/>
-          </a:xfrm>
-          <a:prstGeom prst="rect">
-            <a:avLst/>
-          </a:prstGeom>
-        </p:spPr>
-      </p:pic>
-    </p:spTree>
-    <p:extLst>
-      <p:ext uri="{BB962C8B-B14F-4D97-AF65-F5344CB8AC3E}">
-        <p14:creationId xmlns:p14="http://schemas.microsoft.com/office/powerpoint/2010/main" val="3772656341"/>
-      </p:ext>
-    </p:extLst>
-  </p:cSld>
-  <p:clrMapOvr>
-    <a:masterClrMapping/>
-  </p:clrMapOvr>
-</p:sld>
-</file>
-
-<file path=ppt/slides/slide12.xml><?xml version="1.0" encoding="utf-8"?>
-<p:sld xmlns:a="http://schemas.openxmlformats.org/drawingml/2006/main" xmlns:r="http://schemas.openxmlformats.org/officeDocument/2006/relationships" xmlns:p="http://schemas.openxmlformats.org/presentationml/2006/main">
-  <p:cSld>
-    <p:spTree>
-      <p:nvGrpSpPr>
-        <p:cNvPr id="1" name=""/>
-        <p:cNvGrpSpPr/>
-        <p:nvPr/>
-      </p:nvGrpSpPr>
-      <p:grpSpPr>
-        <a:xfrm>
-          <a:off x="0" y="0"/>
-          <a:ext cx="0" cy="0"/>
-          <a:chOff x="0" y="0"/>
-          <a:chExt cx="0" cy="0"/>
-        </a:xfrm>
-      </p:grpSpPr>
-      <p:sp>
-        <p:nvSpPr>
-          <p:cNvPr id="2" name="标题 1">
-            <a:extLst>
-              <a:ext uri="{FF2B5EF4-FFF2-40B4-BE49-F238E27FC236}">
-                <a16:creationId xmlns:a16="http://schemas.microsoft.com/office/drawing/2014/main" id="{D77A0549-EC48-084B-9491-8DBCF5888C38}"/>
-              </a:ext>
-            </a:extLst>
-          </p:cNvPr>
-          <p:cNvSpPr>
-            <a:spLocks noGrp="1"/>
-          </p:cNvSpPr>
-          <p:nvPr>
-            <p:ph type="title"/>
-          </p:nvPr>
-        </p:nvSpPr>
-        <p:spPr>
-          <a:xfrm>
-            <a:off x="505869" y="260648"/>
-            <a:ext cx="9215967" cy="575336"/>
-          </a:xfrm>
-        </p:spPr>
-        <p:txBody>
-          <a:bodyPr/>
-          <a:lstStyle/>
-          <a:p>
-            <a:r>
-              <a:rPr lang="de-DE" altLang="zh-CN" dirty="0"/>
-              <a:t>Repr2Seq</a:t>
-            </a:r>
-          </a:p>
-        </p:txBody>
-      </p:sp>
-      <p:sp>
-        <p:nvSpPr>
-          <p:cNvPr id="6" name="页脚占位符 5">
-            <a:extLst>
-              <a:ext uri="{FF2B5EF4-FFF2-40B4-BE49-F238E27FC236}">
-                <a16:creationId xmlns:a16="http://schemas.microsoft.com/office/drawing/2014/main" id="{0CF8B873-11B3-8A43-9A9C-860FB73713B4}"/>
-              </a:ext>
-            </a:extLst>
-          </p:cNvPr>
-          <p:cNvSpPr>
-            <a:spLocks noGrp="1"/>
-          </p:cNvSpPr>
-          <p:nvPr>
-            <p:ph type="ftr" sz="quarter" idx="13"/>
-          </p:nvPr>
-        </p:nvSpPr>
-        <p:spPr/>
-        <p:txBody>
-          <a:bodyPr/>
-          <a:lstStyle/>
-          <a:p>
-            <a:pPr algn="l"/>
-            <a:r>
-              <a:rPr lang="de-DE" dirty="0"/>
-              <a:t>Prof. Dr. Max Mustermann |  Name </a:t>
-            </a:r>
-            <a:r>
-              <a:rPr lang="de-DE" dirty="0" err="1"/>
-              <a:t>of</a:t>
-            </a:r>
-            <a:r>
-              <a:rPr lang="de-DE" dirty="0"/>
-              <a:t> </a:t>
-            </a:r>
-            <a:r>
-              <a:rPr lang="de-DE" dirty="0" err="1"/>
-              <a:t>Faculty</a:t>
-            </a:r>
-            <a:endParaRPr lang="de-DE" dirty="0"/>
-          </a:p>
-        </p:txBody>
-      </p:sp>
-      <p:sp>
-        <p:nvSpPr>
-          <p:cNvPr id="7" name="Rectangle 2">
-            <a:extLst>
-              <a:ext uri="{FF2B5EF4-FFF2-40B4-BE49-F238E27FC236}">
-                <a16:creationId xmlns:a16="http://schemas.microsoft.com/office/drawing/2014/main" id="{03878157-6918-D59A-3789-8DC2EB8E6F0C}"/>
-              </a:ext>
-            </a:extLst>
-          </p:cNvPr>
-          <p:cNvSpPr>
-            <a:spLocks noGrp="1" noChangeArrowheads="1"/>
-          </p:cNvSpPr>
-          <p:nvPr>
-            <p:ph sz="quarter" idx="11"/>
-          </p:nvPr>
-        </p:nvSpPr>
-        <p:spPr bwMode="auto">
-          <a:xfrm>
-            <a:off x="505868" y="287313"/>
-            <a:ext cx="8038403" cy="333375"/>
-          </a:xfrm>
-          <a:prstGeom prst="rect">
-            <a:avLst/>
-          </a:prstGeom>
-          <a:noFill/>
-          <a:ln>
-            <a:noFill/>
-          </a:ln>
-          <a:extLst>
-            <a:ext uri="{909E8E84-426E-40DD-AFC4-6F175D3DCCD1}">
-              <a14:hiddenFill xmlns:a14="http://schemas.microsoft.com/office/drawing/2010/main">
-                <a:solidFill>
-                  <a:srgbClr val="FFFFFF"/>
-                </a:solidFill>
-              </a14:hiddenFill>
-            </a:ext>
-            <a:ext uri="{91240B29-F687-4F45-9708-019B960494DF}">
-              <a14:hiddenLine xmlns:a14="http://schemas.microsoft.com/office/drawing/2010/main" w="9525">
-                <a:solidFill>
-                  <a:srgbClr val="000000"/>
-                </a:solidFill>
-                <a:miter lim="800000"/>
-                <a:headEnd/>
-                <a:tailEnd/>
-              </a14:hiddenLine>
-            </a:ext>
-          </a:extLst>
-        </p:spPr>
-        <p:txBody>
-          <a:bodyPr lIns="0" tIns="0" rIns="0" bIns="0" anchor="b"/>
-          <a:lstStyle>
-            <a:lvl1pPr eaLnBrk="0" hangingPunct="0">
-              <a:defRPr sz="2400" b="1">
-                <a:solidFill>
-                  <a:schemeClr val="tx2"/>
-                </a:solidFill>
-                <a:latin typeface="Arial" pitchFamily="34" charset="0"/>
-              </a:defRPr>
-            </a:lvl1pPr>
-            <a:lvl2pPr eaLnBrk="0" hangingPunct="0">
-              <a:defRPr sz="2400" b="1">
-                <a:solidFill>
-                  <a:schemeClr val="tx2"/>
-                </a:solidFill>
-                <a:latin typeface="Arial" pitchFamily="34" charset="0"/>
-              </a:defRPr>
-            </a:lvl2pPr>
-            <a:lvl3pPr eaLnBrk="0" hangingPunct="0">
-              <a:defRPr sz="2400" b="1">
-                <a:solidFill>
-                  <a:schemeClr val="tx2"/>
-                </a:solidFill>
-                <a:latin typeface="Arial" pitchFamily="34" charset="0"/>
-              </a:defRPr>
-            </a:lvl3pPr>
-            <a:lvl4pPr eaLnBrk="0" hangingPunct="0">
-              <a:defRPr sz="2400" b="1">
-                <a:solidFill>
-                  <a:schemeClr val="tx2"/>
-                </a:solidFill>
-                <a:latin typeface="Arial" pitchFamily="34" charset="0"/>
-              </a:defRPr>
-            </a:lvl4pPr>
-            <a:lvl5pPr eaLnBrk="0" hangingPunct="0">
-              <a:defRPr sz="2400" b="1">
-                <a:solidFill>
-                  <a:schemeClr val="tx2"/>
-                </a:solidFill>
-                <a:latin typeface="Arial" pitchFamily="34" charset="0"/>
-              </a:defRPr>
-            </a:lvl5pPr>
-            <a:lvl6pPr marL="457200" eaLnBrk="0" fontAlgn="base" hangingPunct="0">
-              <a:spcBef>
-                <a:spcPct val="0"/>
-              </a:spcBef>
-              <a:spcAft>
-                <a:spcPct val="0"/>
-              </a:spcAft>
-              <a:defRPr sz="2400" b="1">
-                <a:solidFill>
-                  <a:schemeClr val="tx2"/>
-                </a:solidFill>
-                <a:latin typeface="Arial" pitchFamily="34" charset="0"/>
-              </a:defRPr>
-            </a:lvl6pPr>
-            <a:lvl7pPr marL="914400" eaLnBrk="0" fontAlgn="base" hangingPunct="0">
-              <a:spcBef>
-                <a:spcPct val="0"/>
-              </a:spcBef>
-              <a:spcAft>
-                <a:spcPct val="0"/>
-              </a:spcAft>
-              <a:defRPr sz="2400" b="1">
-                <a:solidFill>
-                  <a:schemeClr val="tx2"/>
-                </a:solidFill>
-                <a:latin typeface="Arial" pitchFamily="34" charset="0"/>
-              </a:defRPr>
-            </a:lvl7pPr>
-            <a:lvl8pPr marL="1371600" eaLnBrk="0" fontAlgn="base" hangingPunct="0">
-              <a:spcBef>
-                <a:spcPct val="0"/>
-              </a:spcBef>
-              <a:spcAft>
-                <a:spcPct val="0"/>
-              </a:spcAft>
-              <a:defRPr sz="2400" b="1">
-                <a:solidFill>
-                  <a:schemeClr val="tx2"/>
-                </a:solidFill>
-                <a:latin typeface="Arial" pitchFamily="34" charset="0"/>
-              </a:defRPr>
-            </a:lvl8pPr>
-            <a:lvl9pPr marL="1828800" eaLnBrk="0" fontAlgn="base" hangingPunct="0">
-              <a:spcBef>
-                <a:spcPct val="0"/>
-              </a:spcBef>
-              <a:spcAft>
-                <a:spcPct val="0"/>
-              </a:spcAft>
-              <a:defRPr sz="2400" b="1">
-                <a:solidFill>
-                  <a:schemeClr val="tx2"/>
-                </a:solidFill>
-                <a:latin typeface="Arial" pitchFamily="34" charset="0"/>
-              </a:defRPr>
-            </a:lvl9pPr>
-          </a:lstStyle>
-          <a:p>
-            <a:pPr eaLnBrk="1" hangingPunct="1">
-              <a:lnSpc>
-                <a:spcPct val="90000"/>
-              </a:lnSpc>
-            </a:pPr>
-            <a:r>
-              <a:rPr lang="en-US" altLang="de-DE" sz="2200" dirty="0"/>
-              <a:t>Generate explanations for time-series classifier by ChatGPT</a:t>
-            </a:r>
-            <a:br>
-              <a:rPr lang="en-US" altLang="de-DE" sz="2200" dirty="0"/>
-            </a:br>
-            <a:endParaRPr lang="en-US" altLang="de-DE" sz="2200" dirty="0"/>
-          </a:p>
-        </p:txBody>
-      </p:sp>
-      <p:sp>
-        <p:nvSpPr>
-          <p:cNvPr id="4" name="内容占位符 3">
-            <a:extLst>
-              <a:ext uri="{FF2B5EF4-FFF2-40B4-BE49-F238E27FC236}">
-                <a16:creationId xmlns:a16="http://schemas.microsoft.com/office/drawing/2014/main" id="{E206E363-21F9-17A8-921A-156221502DA2}"/>
-              </a:ext>
-            </a:extLst>
-          </p:cNvPr>
-          <p:cNvSpPr>
-            <a:spLocks noGrp="1"/>
-          </p:cNvSpPr>
-          <p:nvPr>
-            <p:ph sz="quarter" idx="12"/>
-          </p:nvPr>
-        </p:nvSpPr>
-        <p:spPr/>
-        <p:txBody>
-          <a:bodyPr/>
-          <a:lstStyle/>
-          <a:p>
-            <a:endParaRPr lang="zh-CN" altLang="en-US" dirty="0"/>
-          </a:p>
-        </p:txBody>
-      </p:sp>
-      <p:sp>
-        <p:nvSpPr>
-          <p:cNvPr id="5" name="内容占位符 4">
-            <a:extLst>
-              <a:ext uri="{FF2B5EF4-FFF2-40B4-BE49-F238E27FC236}">
-                <a16:creationId xmlns:a16="http://schemas.microsoft.com/office/drawing/2014/main" id="{EBD62F1D-AD76-FDC9-FB31-E6A329838CBF}"/>
-              </a:ext>
-            </a:extLst>
-          </p:cNvPr>
-          <p:cNvSpPr>
-            <a:spLocks noGrp="1"/>
-          </p:cNvSpPr>
-          <p:nvPr>
-            <p:ph idx="1"/>
-          </p:nvPr>
-        </p:nvSpPr>
-        <p:spPr/>
-        <p:txBody>
-          <a:bodyPr/>
-          <a:lstStyle/>
-          <a:p>
-            <a:r>
-              <a:rPr lang="zh-CN" altLang="en-US" dirty="0"/>
-              <a:t>使用</a:t>
-            </a:r>
-            <a:r>
-              <a:rPr lang="en-US" altLang="zh-CN" dirty="0"/>
-              <a:t>14.01.2019-12.01.2022</a:t>
-            </a:r>
-            <a:r>
-              <a:rPr lang="zh-CN" altLang="en-US" dirty="0"/>
-              <a:t>的股票</a:t>
-            </a:r>
-            <a:r>
-              <a:rPr lang="en-US" altLang="zh-CN" dirty="0"/>
-              <a:t>TS</a:t>
-            </a:r>
-          </a:p>
-          <a:p>
-            <a:endParaRPr lang="en-US" altLang="zh-CN" dirty="0"/>
-          </a:p>
-          <a:p>
-            <a:r>
-              <a:rPr lang="zh-CN" altLang="en-US" dirty="0"/>
-              <a:t>使用了</a:t>
-            </a:r>
-            <a:r>
-              <a:rPr lang="de-DE" altLang="zh-CN" dirty="0"/>
-              <a:t>Encoder-decoder</a:t>
-            </a:r>
-            <a:r>
-              <a:rPr lang="zh-CN" altLang="en-US" dirty="0"/>
-              <a:t>模型，来描述</a:t>
-            </a:r>
-            <a:r>
-              <a:rPr lang="en-US" altLang="zh-CN" dirty="0"/>
-              <a:t>TS</a:t>
-            </a:r>
-            <a:r>
-              <a:rPr lang="zh-CN" altLang="en-US" dirty="0"/>
-              <a:t>结构和关键信息</a:t>
-            </a:r>
-            <a:endParaRPr lang="en-US" altLang="zh-CN" dirty="0"/>
-          </a:p>
-          <a:p>
-            <a:pPr lvl="1"/>
-            <a:r>
-              <a:rPr lang="de-DE" altLang="zh-CN" dirty="0"/>
-              <a:t>Encoder</a:t>
-            </a:r>
-            <a:r>
-              <a:rPr lang="zh-CN" altLang="en-US" dirty="0"/>
-              <a:t>分为</a:t>
-            </a:r>
-            <a:r>
-              <a:rPr lang="de-DE" altLang="zh-CN" dirty="0"/>
-              <a:t>Sequence Processor+TS2Vec</a:t>
-            </a:r>
-          </a:p>
-          <a:p>
-            <a:pPr lvl="2"/>
-            <a:r>
-              <a:rPr lang="de-DE" altLang="zh-CN" dirty="0"/>
-              <a:t>SP: q_i = {x_i_1 - x_i_1, …, x_i_j - x_i_1, …, x_i_T - x_i_1}</a:t>
-            </a:r>
-          </a:p>
-          <a:p>
-            <a:pPr lvl="2"/>
-            <a:r>
-              <a:rPr lang="de-DE" altLang="zh-CN" dirty="0"/>
-              <a:t>TS2Vec</a:t>
-            </a:r>
-            <a:r>
-              <a:rPr lang="zh-CN" altLang="en-US" dirty="0"/>
-              <a:t>：计算</a:t>
-            </a:r>
-            <a:r>
-              <a:rPr lang="en-US" altLang="zh-CN" dirty="0"/>
-              <a:t>Loss</a:t>
-            </a:r>
-          </a:p>
-          <a:p>
-            <a:pPr lvl="1"/>
-            <a:r>
-              <a:rPr lang="en-US" altLang="zh-CN" dirty="0"/>
-              <a:t>Decoder</a:t>
-            </a:r>
-            <a:r>
-              <a:rPr lang="zh-CN" altLang="en-US" dirty="0"/>
-              <a:t>：</a:t>
-            </a:r>
-            <a:endParaRPr lang="en-US" altLang="zh-CN" dirty="0"/>
-          </a:p>
-          <a:p>
-            <a:pPr lvl="2"/>
-            <a:r>
-              <a:rPr lang="zh-CN" altLang="en-US" dirty="0"/>
-              <a:t>用</a:t>
-            </a:r>
-            <a:r>
-              <a:rPr lang="en-US" altLang="zh-CN" dirty="0"/>
-              <a:t>argmax operation</a:t>
-            </a:r>
-            <a:r>
-              <a:rPr lang="zh-CN" altLang="en-US" dirty="0"/>
-              <a:t>收集了生成词的目录</a:t>
-            </a:r>
-            <a:endParaRPr lang="en-US" altLang="zh-CN" dirty="0"/>
-          </a:p>
-          <a:p>
-            <a:endParaRPr lang="en-US" altLang="zh-CN" dirty="0"/>
-          </a:p>
-          <a:p>
-            <a:r>
-              <a:rPr lang="en-US" altLang="zh-CN" dirty="0"/>
-              <a:t>Repr2Seq</a:t>
-            </a:r>
-            <a:r>
-              <a:rPr lang="zh-CN" altLang="en-US" dirty="0"/>
-              <a:t>相比</a:t>
-            </a:r>
-            <a:r>
-              <a:rPr lang="en-US" altLang="zh-CN" dirty="0"/>
-              <a:t>Transformer</a:t>
-            </a:r>
-            <a:r>
-              <a:rPr lang="zh-CN" altLang="en-US" dirty="0"/>
-              <a:t>和</a:t>
-            </a:r>
-            <a:r>
-              <a:rPr lang="en-US" altLang="zh-CN" dirty="0"/>
-              <a:t>Seq2seq</a:t>
-            </a:r>
-            <a:r>
-              <a:rPr lang="zh-CN" altLang="en-US" dirty="0"/>
-              <a:t>有着更高的得分（</a:t>
-            </a:r>
-            <a:r>
-              <a:rPr lang="en-US" altLang="zh-CN" dirty="0"/>
-              <a:t>BLEU</a:t>
-            </a:r>
-            <a:r>
-              <a:rPr lang="zh-CN" altLang="en-US" dirty="0"/>
-              <a:t>）</a:t>
-            </a:r>
-            <a:endParaRPr lang="de-DE" altLang="zh-CN" dirty="0"/>
-          </a:p>
-        </p:txBody>
-      </p:sp>
-    </p:spTree>
-    <p:extLst>
-      <p:ext uri="{BB962C8B-B14F-4D97-AF65-F5344CB8AC3E}">
-        <p14:creationId xmlns:p14="http://schemas.microsoft.com/office/powerpoint/2010/main" val="2129779886"/>
-      </p:ext>
-    </p:extLst>
-  </p:cSld>
-  <p:clrMapOvr>
-    <a:masterClrMapping/>
-  </p:clrMapOvr>
-</p:sld>
-</file>
-
-<file path=ppt/slides/slide13.xml><?xml version="1.0" encoding="utf-8"?>
-<p:sld xmlns:a="http://schemas.openxmlformats.org/drawingml/2006/main" xmlns:r="http://schemas.openxmlformats.org/officeDocument/2006/relationships" xmlns:p="http://schemas.openxmlformats.org/presentationml/2006/main">
-  <p:cSld>
-    <p:spTree>
-      <p:nvGrpSpPr>
-        <p:cNvPr id="1" name=""/>
-        <p:cNvGrpSpPr/>
-        <p:nvPr/>
-      </p:nvGrpSpPr>
-      <p:grpSpPr>
-        <a:xfrm>
-          <a:off x="0" y="0"/>
-          <a:ext cx="0" cy="0"/>
-          <a:chOff x="0" y="0"/>
-          <a:chExt cx="0" cy="0"/>
-        </a:xfrm>
-      </p:grpSpPr>
-      <p:sp>
-        <p:nvSpPr>
-          <p:cNvPr id="2" name="标题 1">
-            <a:extLst>
-              <a:ext uri="{FF2B5EF4-FFF2-40B4-BE49-F238E27FC236}">
-                <a16:creationId xmlns:a16="http://schemas.microsoft.com/office/drawing/2014/main" id="{D77A0549-EC48-084B-9491-8DBCF5888C38}"/>
-              </a:ext>
-            </a:extLst>
-          </p:cNvPr>
-          <p:cNvSpPr>
-            <a:spLocks noGrp="1"/>
-          </p:cNvSpPr>
-          <p:nvPr>
-            <p:ph type="title"/>
-          </p:nvPr>
-        </p:nvSpPr>
-        <p:spPr>
-          <a:xfrm>
-            <a:off x="505869" y="260648"/>
-            <a:ext cx="9215967" cy="575336"/>
-          </a:xfrm>
-        </p:spPr>
-        <p:txBody>
-          <a:bodyPr/>
-          <a:lstStyle/>
-          <a:p>
-            <a:r>
-              <a:rPr lang="de-DE" altLang="zh-CN" dirty="0"/>
-              <a:t>Generative Agent</a:t>
-            </a:r>
-          </a:p>
-        </p:txBody>
-      </p:sp>
-      <p:sp>
-        <p:nvSpPr>
-          <p:cNvPr id="6" name="页脚占位符 5">
-            <a:extLst>
-              <a:ext uri="{FF2B5EF4-FFF2-40B4-BE49-F238E27FC236}">
-                <a16:creationId xmlns:a16="http://schemas.microsoft.com/office/drawing/2014/main" id="{0CF8B873-11B3-8A43-9A9C-860FB73713B4}"/>
-              </a:ext>
-            </a:extLst>
-          </p:cNvPr>
-          <p:cNvSpPr>
-            <a:spLocks noGrp="1"/>
-          </p:cNvSpPr>
-          <p:nvPr>
-            <p:ph type="ftr" sz="quarter" idx="13"/>
-          </p:nvPr>
-        </p:nvSpPr>
-        <p:spPr/>
-        <p:txBody>
-          <a:bodyPr/>
-          <a:lstStyle/>
-          <a:p>
-            <a:pPr algn="l"/>
-            <a:r>
-              <a:rPr lang="de-DE" dirty="0"/>
-              <a:t>Prof. Dr. Max Mustermann |  Name </a:t>
-            </a:r>
-            <a:r>
-              <a:rPr lang="de-DE" dirty="0" err="1"/>
-              <a:t>of</a:t>
-            </a:r>
-            <a:r>
-              <a:rPr lang="de-DE" dirty="0"/>
-              <a:t> </a:t>
-            </a:r>
-            <a:r>
-              <a:rPr lang="de-DE" dirty="0" err="1"/>
-              <a:t>Faculty</a:t>
-            </a:r>
-            <a:endParaRPr lang="de-DE" dirty="0"/>
-          </a:p>
-        </p:txBody>
-      </p:sp>
-      <p:sp>
-        <p:nvSpPr>
-          <p:cNvPr id="7" name="Rectangle 2">
-            <a:extLst>
-              <a:ext uri="{FF2B5EF4-FFF2-40B4-BE49-F238E27FC236}">
-                <a16:creationId xmlns:a16="http://schemas.microsoft.com/office/drawing/2014/main" id="{03878157-6918-D59A-3789-8DC2EB8E6F0C}"/>
-              </a:ext>
-            </a:extLst>
-          </p:cNvPr>
-          <p:cNvSpPr>
-            <a:spLocks noGrp="1" noChangeArrowheads="1"/>
-          </p:cNvSpPr>
-          <p:nvPr>
-            <p:ph sz="quarter" idx="11"/>
-          </p:nvPr>
-        </p:nvSpPr>
-        <p:spPr bwMode="auto">
-          <a:xfrm>
-            <a:off x="505868" y="287313"/>
-            <a:ext cx="8038403" cy="333375"/>
-          </a:xfrm>
-          <a:prstGeom prst="rect">
-            <a:avLst/>
-          </a:prstGeom>
-          <a:noFill/>
-          <a:ln>
-            <a:noFill/>
-          </a:ln>
-          <a:extLst>
-            <a:ext uri="{909E8E84-426E-40DD-AFC4-6F175D3DCCD1}">
-              <a14:hiddenFill xmlns:a14="http://schemas.microsoft.com/office/drawing/2010/main">
-                <a:solidFill>
-                  <a:srgbClr val="FFFFFF"/>
-                </a:solidFill>
-              </a14:hiddenFill>
-            </a:ext>
-            <a:ext uri="{91240B29-F687-4F45-9708-019B960494DF}">
-              <a14:hiddenLine xmlns:a14="http://schemas.microsoft.com/office/drawing/2010/main" w="9525">
-                <a:solidFill>
-                  <a:srgbClr val="000000"/>
-                </a:solidFill>
-                <a:miter lim="800000"/>
-                <a:headEnd/>
-                <a:tailEnd/>
-              </a14:hiddenLine>
-            </a:ext>
-          </a:extLst>
-        </p:spPr>
-        <p:txBody>
-          <a:bodyPr lIns="0" tIns="0" rIns="0" bIns="0" anchor="b"/>
-          <a:lstStyle>
-            <a:lvl1pPr eaLnBrk="0" hangingPunct="0">
-              <a:defRPr sz="2400" b="1">
-                <a:solidFill>
-                  <a:schemeClr val="tx2"/>
-                </a:solidFill>
-                <a:latin typeface="Arial" pitchFamily="34" charset="0"/>
-              </a:defRPr>
-            </a:lvl1pPr>
-            <a:lvl2pPr eaLnBrk="0" hangingPunct="0">
-              <a:defRPr sz="2400" b="1">
-                <a:solidFill>
-                  <a:schemeClr val="tx2"/>
-                </a:solidFill>
-                <a:latin typeface="Arial" pitchFamily="34" charset="0"/>
-              </a:defRPr>
-            </a:lvl2pPr>
-            <a:lvl3pPr eaLnBrk="0" hangingPunct="0">
-              <a:defRPr sz="2400" b="1">
-                <a:solidFill>
-                  <a:schemeClr val="tx2"/>
-                </a:solidFill>
-                <a:latin typeface="Arial" pitchFamily="34" charset="0"/>
-              </a:defRPr>
-            </a:lvl3pPr>
-            <a:lvl4pPr eaLnBrk="0" hangingPunct="0">
-              <a:defRPr sz="2400" b="1">
-                <a:solidFill>
-                  <a:schemeClr val="tx2"/>
-                </a:solidFill>
-                <a:latin typeface="Arial" pitchFamily="34" charset="0"/>
-              </a:defRPr>
-            </a:lvl4pPr>
-            <a:lvl5pPr eaLnBrk="0" hangingPunct="0">
-              <a:defRPr sz="2400" b="1">
-                <a:solidFill>
-                  <a:schemeClr val="tx2"/>
-                </a:solidFill>
-                <a:latin typeface="Arial" pitchFamily="34" charset="0"/>
-              </a:defRPr>
-            </a:lvl5pPr>
-            <a:lvl6pPr marL="457200" eaLnBrk="0" fontAlgn="base" hangingPunct="0">
-              <a:spcBef>
-                <a:spcPct val="0"/>
-              </a:spcBef>
-              <a:spcAft>
-                <a:spcPct val="0"/>
-              </a:spcAft>
-              <a:defRPr sz="2400" b="1">
-                <a:solidFill>
-                  <a:schemeClr val="tx2"/>
-                </a:solidFill>
-                <a:latin typeface="Arial" pitchFamily="34" charset="0"/>
-              </a:defRPr>
-            </a:lvl6pPr>
-            <a:lvl7pPr marL="914400" eaLnBrk="0" fontAlgn="base" hangingPunct="0">
-              <a:spcBef>
-                <a:spcPct val="0"/>
-              </a:spcBef>
-              <a:spcAft>
-                <a:spcPct val="0"/>
-              </a:spcAft>
-              <a:defRPr sz="2400" b="1">
-                <a:solidFill>
-                  <a:schemeClr val="tx2"/>
-                </a:solidFill>
-                <a:latin typeface="Arial" pitchFamily="34" charset="0"/>
-              </a:defRPr>
-            </a:lvl7pPr>
-            <a:lvl8pPr marL="1371600" eaLnBrk="0" fontAlgn="base" hangingPunct="0">
-              <a:spcBef>
-                <a:spcPct val="0"/>
-              </a:spcBef>
-              <a:spcAft>
-                <a:spcPct val="0"/>
-              </a:spcAft>
-              <a:defRPr sz="2400" b="1">
-                <a:solidFill>
-                  <a:schemeClr val="tx2"/>
-                </a:solidFill>
-                <a:latin typeface="Arial" pitchFamily="34" charset="0"/>
-              </a:defRPr>
-            </a:lvl8pPr>
-            <a:lvl9pPr marL="1828800" eaLnBrk="0" fontAlgn="base" hangingPunct="0">
-              <a:spcBef>
-                <a:spcPct val="0"/>
-              </a:spcBef>
-              <a:spcAft>
-                <a:spcPct val="0"/>
-              </a:spcAft>
-              <a:defRPr sz="2400" b="1">
-                <a:solidFill>
-                  <a:schemeClr val="tx2"/>
-                </a:solidFill>
-                <a:latin typeface="Arial" pitchFamily="34" charset="0"/>
-              </a:defRPr>
-            </a:lvl9pPr>
-          </a:lstStyle>
-          <a:p>
-            <a:pPr eaLnBrk="1" hangingPunct="1">
-              <a:lnSpc>
-                <a:spcPct val="90000"/>
-              </a:lnSpc>
-            </a:pPr>
-            <a:r>
-              <a:rPr lang="en-US" altLang="de-DE" sz="2200" dirty="0"/>
-              <a:t>Generate explanations for time-series classifier by ChatGPT</a:t>
-            </a:r>
-            <a:br>
-              <a:rPr lang="en-US" altLang="de-DE" sz="2200" dirty="0"/>
-            </a:br>
-            <a:endParaRPr lang="en-US" altLang="de-DE" sz="2200" dirty="0"/>
-          </a:p>
-        </p:txBody>
-      </p:sp>
-      <p:sp>
-        <p:nvSpPr>
-          <p:cNvPr id="4" name="内容占位符 3">
-            <a:extLst>
-              <a:ext uri="{FF2B5EF4-FFF2-40B4-BE49-F238E27FC236}">
-                <a16:creationId xmlns:a16="http://schemas.microsoft.com/office/drawing/2014/main" id="{E206E363-21F9-17A8-921A-156221502DA2}"/>
-              </a:ext>
-            </a:extLst>
-          </p:cNvPr>
-          <p:cNvSpPr>
-            <a:spLocks noGrp="1"/>
-          </p:cNvSpPr>
-          <p:nvPr>
-            <p:ph sz="quarter" idx="12"/>
-          </p:nvPr>
-        </p:nvSpPr>
-        <p:spPr/>
-        <p:txBody>
-          <a:bodyPr/>
-          <a:lstStyle/>
-          <a:p>
-            <a:endParaRPr lang="zh-CN" altLang="en-US" dirty="0"/>
-          </a:p>
-        </p:txBody>
-      </p:sp>
-      <p:sp>
-        <p:nvSpPr>
-          <p:cNvPr id="5" name="内容占位符 4">
-            <a:extLst>
-              <a:ext uri="{FF2B5EF4-FFF2-40B4-BE49-F238E27FC236}">
-                <a16:creationId xmlns:a16="http://schemas.microsoft.com/office/drawing/2014/main" id="{EBD62F1D-AD76-FDC9-FB31-E6A329838CBF}"/>
-              </a:ext>
-            </a:extLst>
-          </p:cNvPr>
-          <p:cNvSpPr>
-            <a:spLocks noGrp="1"/>
-          </p:cNvSpPr>
-          <p:nvPr>
-            <p:ph idx="1"/>
-          </p:nvPr>
-        </p:nvSpPr>
-        <p:spPr/>
-        <p:txBody>
-          <a:bodyPr/>
-          <a:lstStyle/>
-          <a:p>
-            <a:r>
-              <a:rPr lang="en-US" altLang="zh-CN" b="1" dirty="0"/>
-              <a:t>Memory and retrieval</a:t>
-            </a:r>
-          </a:p>
-          <a:p>
-            <a:pPr lvl="1"/>
-            <a:r>
-              <a:rPr lang="en-US" altLang="zh-CN" dirty="0"/>
-              <a:t>takes the agent’s current situation as input and returns a subset of the memory stream</a:t>
-            </a:r>
-          </a:p>
-          <a:p>
-            <a:pPr lvl="1"/>
-            <a:r>
-              <a:rPr lang="zh-CN" altLang="en-US" dirty="0"/>
-              <a:t>𝑠𝑐𝑜𝑟𝑒 </a:t>
-            </a:r>
-            <a:r>
-              <a:rPr lang="en-US" altLang="zh-CN" dirty="0"/>
-              <a:t>= </a:t>
-            </a:r>
-            <a:r>
-              <a:rPr lang="zh-CN" altLang="en-US" dirty="0"/>
-              <a:t>𝛼𝑟𝑒𝑐𝑒𝑛𝑐𝑦 </a:t>
-            </a:r>
-            <a:r>
-              <a:rPr lang="en-US" altLang="zh-CN" dirty="0"/>
-              <a:t>· </a:t>
-            </a:r>
-            <a:r>
-              <a:rPr lang="zh-CN" altLang="en-US" dirty="0"/>
-              <a:t>𝑟𝑒𝑐𝑒𝑛𝑐𝑦 </a:t>
-            </a:r>
-            <a:r>
-              <a:rPr lang="en-US" altLang="zh-CN" dirty="0"/>
-              <a:t>+ </a:t>
-            </a:r>
-            <a:r>
-              <a:rPr lang="zh-CN" altLang="en-US" dirty="0"/>
-              <a:t>𝛼𝑖𝑚𝑝𝑜𝑟𝑡𝑎𝑛𝑐𝑒 </a:t>
-            </a:r>
-            <a:r>
-              <a:rPr lang="en-US" altLang="zh-CN" dirty="0"/>
-              <a:t>·</a:t>
-            </a:r>
-            <a:r>
-              <a:rPr lang="zh-CN" altLang="en-US" dirty="0"/>
-              <a:t>𝑖𝑚𝑝𝑜𝑟𝑡𝑎𝑛𝑐𝑒 </a:t>
-            </a:r>
-            <a:r>
-              <a:rPr lang="en-US" altLang="zh-CN" dirty="0"/>
-              <a:t>+</a:t>
-            </a:r>
-            <a:r>
-              <a:rPr lang="zh-CN" altLang="en-US" dirty="0"/>
-              <a:t>𝛼𝑟𝑒𝑙𝑒𝑣𝑎𝑛𝑐𝑒 </a:t>
-            </a:r>
-            <a:r>
-              <a:rPr lang="en-US" altLang="zh-CN" dirty="0"/>
-              <a:t>·</a:t>
-            </a:r>
-            <a:r>
-              <a:rPr lang="zh-CN" altLang="en-US" dirty="0"/>
-              <a:t>𝑟𝑒𝑙𝑒𝑣𝑎𝑛𝑐𝑒</a:t>
-            </a:r>
-            <a:r>
-              <a:rPr lang="en-US" altLang="zh-CN" dirty="0"/>
-              <a:t>.</a:t>
-            </a:r>
-          </a:p>
-          <a:p>
-            <a:pPr lvl="1"/>
-            <a:endParaRPr lang="en-US" altLang="zh-CN" dirty="0"/>
-          </a:p>
-          <a:p>
-            <a:r>
-              <a:rPr lang="de-DE" altLang="zh-CN" b="1" dirty="0"/>
-              <a:t>Reflection</a:t>
-            </a:r>
-          </a:p>
-          <a:p>
-            <a:pPr lvl="1"/>
-            <a:r>
-              <a:rPr lang="en-US" altLang="zh-CN" dirty="0"/>
-              <a:t>when the sum of the importance scores for the latest events exceeds a certain threshold</a:t>
-            </a:r>
-          </a:p>
-          <a:p>
-            <a:pPr lvl="1"/>
-            <a:r>
-              <a:rPr lang="en-US" altLang="zh-CN" dirty="0"/>
-              <a:t>Agents generate trees of reflections</a:t>
-            </a:r>
-          </a:p>
-          <a:p>
-            <a:pPr lvl="1"/>
-            <a:endParaRPr lang="en-US" altLang="zh-CN" dirty="0"/>
-          </a:p>
-          <a:p>
-            <a:r>
-              <a:rPr lang="en-US" altLang="zh-CN" dirty="0"/>
-              <a:t>Planning and Reacting</a:t>
-            </a:r>
-          </a:p>
-          <a:p>
-            <a:pPr lvl="1"/>
-            <a:r>
-              <a:rPr lang="en-US" altLang="zh-CN" dirty="0"/>
-              <a:t> Reacting and Updating Plans + Dialogue</a:t>
-            </a:r>
-          </a:p>
-        </p:txBody>
-      </p:sp>
-    </p:spTree>
-    <p:extLst>
-      <p:ext uri="{BB962C8B-B14F-4D97-AF65-F5344CB8AC3E}">
-        <p14:creationId xmlns:p14="http://schemas.microsoft.com/office/powerpoint/2010/main" val="2860042330"/>
-      </p:ext>
-    </p:extLst>
-  </p:cSld>
-  <p:clrMapOvr>
-    <a:masterClrMapping/>
-  </p:clrMapOvr>
-</p:sld>
-</file>
-
-<file path=ppt/slides/slide14.xml><?xml version="1.0" encoding="utf-8"?>
-<p:sld xmlns:a="http://schemas.openxmlformats.org/drawingml/2006/main" xmlns:r="http://schemas.openxmlformats.org/officeDocument/2006/relationships" xmlns:p="http://schemas.openxmlformats.org/presentationml/2006/main">
-  <p:cSld>
-    <p:spTree>
-      <p:nvGrpSpPr>
-        <p:cNvPr id="1" name=""/>
-        <p:cNvGrpSpPr/>
-        <p:nvPr/>
-      </p:nvGrpSpPr>
-      <p:grpSpPr>
-        <a:xfrm>
-          <a:off x="0" y="0"/>
-          <a:ext cx="0" cy="0"/>
-          <a:chOff x="0" y="0"/>
-          <a:chExt cx="0" cy="0"/>
-        </a:xfrm>
-      </p:grpSpPr>
-      <p:sp>
-        <p:nvSpPr>
-          <p:cNvPr id="2" name="标题 1">
-            <a:extLst>
-              <a:ext uri="{FF2B5EF4-FFF2-40B4-BE49-F238E27FC236}">
-                <a16:creationId xmlns:a16="http://schemas.microsoft.com/office/drawing/2014/main" id="{D77A0549-EC48-084B-9491-8DBCF5888C38}"/>
-              </a:ext>
-            </a:extLst>
-          </p:cNvPr>
-          <p:cNvSpPr>
-            <a:spLocks noGrp="1"/>
-          </p:cNvSpPr>
-          <p:nvPr>
-            <p:ph type="title"/>
-          </p:nvPr>
-        </p:nvSpPr>
-        <p:spPr>
-          <a:xfrm>
-            <a:off x="505869" y="260648"/>
-            <a:ext cx="9215967" cy="575336"/>
-          </a:xfrm>
-        </p:spPr>
-        <p:txBody>
-          <a:bodyPr/>
-          <a:lstStyle/>
-          <a:p>
-            <a:r>
-              <a:rPr lang="de-DE" altLang="zh-CN" dirty="0"/>
-              <a:t>C</a:t>
-            </a:r>
-            <a:r>
-              <a:rPr lang="en-US" altLang="zh-CN" dirty="0" err="1"/>
-              <a:t>ausal</a:t>
-            </a:r>
-            <a:r>
-              <a:rPr lang="en-US" altLang="zh-CN" dirty="0"/>
-              <a:t> inference</a:t>
-            </a:r>
-            <a:endParaRPr lang="de-DE" altLang="zh-CN" dirty="0"/>
-          </a:p>
-        </p:txBody>
-      </p:sp>
-      <p:sp>
-        <p:nvSpPr>
-          <p:cNvPr id="6" name="页脚占位符 5">
-            <a:extLst>
-              <a:ext uri="{FF2B5EF4-FFF2-40B4-BE49-F238E27FC236}">
-                <a16:creationId xmlns:a16="http://schemas.microsoft.com/office/drawing/2014/main" id="{0CF8B873-11B3-8A43-9A9C-860FB73713B4}"/>
-              </a:ext>
-            </a:extLst>
-          </p:cNvPr>
-          <p:cNvSpPr>
-            <a:spLocks noGrp="1"/>
-          </p:cNvSpPr>
-          <p:nvPr>
-            <p:ph type="ftr" sz="quarter" idx="13"/>
-          </p:nvPr>
-        </p:nvSpPr>
-        <p:spPr/>
-        <p:txBody>
-          <a:bodyPr/>
-          <a:lstStyle/>
-          <a:p>
-            <a:pPr algn="l"/>
-            <a:r>
-              <a:rPr lang="de-DE" dirty="0"/>
-              <a:t>Prof. Dr. Max Mustermann |  Name </a:t>
-            </a:r>
-            <a:r>
-              <a:rPr lang="de-DE" dirty="0" err="1"/>
-              <a:t>of</a:t>
-            </a:r>
-            <a:r>
-              <a:rPr lang="de-DE" dirty="0"/>
-              <a:t> </a:t>
-            </a:r>
-            <a:r>
-              <a:rPr lang="de-DE" dirty="0" err="1"/>
-              <a:t>Faculty</a:t>
-            </a:r>
-            <a:endParaRPr lang="de-DE" dirty="0"/>
-          </a:p>
-        </p:txBody>
-      </p:sp>
-      <p:sp>
-        <p:nvSpPr>
-          <p:cNvPr id="7" name="Rectangle 2">
-            <a:extLst>
-              <a:ext uri="{FF2B5EF4-FFF2-40B4-BE49-F238E27FC236}">
-                <a16:creationId xmlns:a16="http://schemas.microsoft.com/office/drawing/2014/main" id="{03878157-6918-D59A-3789-8DC2EB8E6F0C}"/>
-              </a:ext>
-            </a:extLst>
-          </p:cNvPr>
-          <p:cNvSpPr>
-            <a:spLocks noGrp="1" noChangeArrowheads="1"/>
-          </p:cNvSpPr>
-          <p:nvPr>
-            <p:ph sz="quarter" idx="11"/>
-          </p:nvPr>
-        </p:nvSpPr>
-        <p:spPr bwMode="auto">
-          <a:xfrm>
-            <a:off x="505868" y="287313"/>
-            <a:ext cx="8038403" cy="333375"/>
-          </a:xfrm>
-          <a:prstGeom prst="rect">
-            <a:avLst/>
-          </a:prstGeom>
-          <a:noFill/>
-          <a:ln>
-            <a:noFill/>
-          </a:ln>
-          <a:extLst>
-            <a:ext uri="{909E8E84-426E-40DD-AFC4-6F175D3DCCD1}">
-              <a14:hiddenFill xmlns:a14="http://schemas.microsoft.com/office/drawing/2010/main">
-                <a:solidFill>
-                  <a:srgbClr val="FFFFFF"/>
-                </a:solidFill>
-              </a14:hiddenFill>
-            </a:ext>
-            <a:ext uri="{91240B29-F687-4F45-9708-019B960494DF}">
-              <a14:hiddenLine xmlns:a14="http://schemas.microsoft.com/office/drawing/2010/main" w="9525">
-                <a:solidFill>
-                  <a:srgbClr val="000000"/>
-                </a:solidFill>
-                <a:miter lim="800000"/>
-                <a:headEnd/>
-                <a:tailEnd/>
-              </a14:hiddenLine>
-            </a:ext>
-          </a:extLst>
-        </p:spPr>
-        <p:txBody>
-          <a:bodyPr lIns="0" tIns="0" rIns="0" bIns="0" anchor="b"/>
-          <a:lstStyle>
-            <a:lvl1pPr eaLnBrk="0" hangingPunct="0">
-              <a:defRPr sz="2400" b="1">
-                <a:solidFill>
-                  <a:schemeClr val="tx2"/>
-                </a:solidFill>
-                <a:latin typeface="Arial" pitchFamily="34" charset="0"/>
-              </a:defRPr>
-            </a:lvl1pPr>
-            <a:lvl2pPr eaLnBrk="0" hangingPunct="0">
-              <a:defRPr sz="2400" b="1">
-                <a:solidFill>
-                  <a:schemeClr val="tx2"/>
-                </a:solidFill>
-                <a:latin typeface="Arial" pitchFamily="34" charset="0"/>
-              </a:defRPr>
-            </a:lvl2pPr>
-            <a:lvl3pPr eaLnBrk="0" hangingPunct="0">
-              <a:defRPr sz="2400" b="1">
-                <a:solidFill>
-                  <a:schemeClr val="tx2"/>
-                </a:solidFill>
-                <a:latin typeface="Arial" pitchFamily="34" charset="0"/>
-              </a:defRPr>
-            </a:lvl3pPr>
-            <a:lvl4pPr eaLnBrk="0" hangingPunct="0">
-              <a:defRPr sz="2400" b="1">
-                <a:solidFill>
-                  <a:schemeClr val="tx2"/>
-                </a:solidFill>
-                <a:latin typeface="Arial" pitchFamily="34" charset="0"/>
-              </a:defRPr>
-            </a:lvl4pPr>
-            <a:lvl5pPr eaLnBrk="0" hangingPunct="0">
-              <a:defRPr sz="2400" b="1">
-                <a:solidFill>
-                  <a:schemeClr val="tx2"/>
-                </a:solidFill>
-                <a:latin typeface="Arial" pitchFamily="34" charset="0"/>
-              </a:defRPr>
-            </a:lvl5pPr>
-            <a:lvl6pPr marL="457200" eaLnBrk="0" fontAlgn="base" hangingPunct="0">
-              <a:spcBef>
-                <a:spcPct val="0"/>
-              </a:spcBef>
-              <a:spcAft>
-                <a:spcPct val="0"/>
-              </a:spcAft>
-              <a:defRPr sz="2400" b="1">
-                <a:solidFill>
-                  <a:schemeClr val="tx2"/>
-                </a:solidFill>
-                <a:latin typeface="Arial" pitchFamily="34" charset="0"/>
-              </a:defRPr>
-            </a:lvl6pPr>
-            <a:lvl7pPr marL="914400" eaLnBrk="0" fontAlgn="base" hangingPunct="0">
-              <a:spcBef>
-                <a:spcPct val="0"/>
-              </a:spcBef>
-              <a:spcAft>
-                <a:spcPct val="0"/>
-              </a:spcAft>
-              <a:defRPr sz="2400" b="1">
-                <a:solidFill>
-                  <a:schemeClr val="tx2"/>
-                </a:solidFill>
-                <a:latin typeface="Arial" pitchFamily="34" charset="0"/>
-              </a:defRPr>
-            </a:lvl7pPr>
-            <a:lvl8pPr marL="1371600" eaLnBrk="0" fontAlgn="base" hangingPunct="0">
-              <a:spcBef>
-                <a:spcPct val="0"/>
-              </a:spcBef>
-              <a:spcAft>
-                <a:spcPct val="0"/>
-              </a:spcAft>
-              <a:defRPr sz="2400" b="1">
-                <a:solidFill>
-                  <a:schemeClr val="tx2"/>
-                </a:solidFill>
-                <a:latin typeface="Arial" pitchFamily="34" charset="0"/>
-              </a:defRPr>
-            </a:lvl8pPr>
-            <a:lvl9pPr marL="1828800" eaLnBrk="0" fontAlgn="base" hangingPunct="0">
-              <a:spcBef>
-                <a:spcPct val="0"/>
-              </a:spcBef>
-              <a:spcAft>
-                <a:spcPct val="0"/>
-              </a:spcAft>
-              <a:defRPr sz="2400" b="1">
-                <a:solidFill>
-                  <a:schemeClr val="tx2"/>
-                </a:solidFill>
-                <a:latin typeface="Arial" pitchFamily="34" charset="0"/>
-              </a:defRPr>
-            </a:lvl9pPr>
-          </a:lstStyle>
-          <a:p>
-            <a:pPr eaLnBrk="1" hangingPunct="1">
-              <a:lnSpc>
-                <a:spcPct val="90000"/>
-              </a:lnSpc>
-            </a:pPr>
-            <a:r>
-              <a:rPr lang="en-US" altLang="de-DE" sz="2200" dirty="0"/>
-              <a:t>Generate explanations for time-series classifier by ChatGPT</a:t>
-            </a:r>
-            <a:br>
-              <a:rPr lang="en-US" altLang="de-DE" sz="2200" dirty="0"/>
-            </a:br>
-            <a:endParaRPr lang="en-US" altLang="de-DE" sz="2200" dirty="0"/>
-          </a:p>
-        </p:txBody>
-      </p:sp>
-      <p:sp>
-        <p:nvSpPr>
-          <p:cNvPr id="4" name="内容占位符 3">
-            <a:extLst>
-              <a:ext uri="{FF2B5EF4-FFF2-40B4-BE49-F238E27FC236}">
-                <a16:creationId xmlns:a16="http://schemas.microsoft.com/office/drawing/2014/main" id="{E206E363-21F9-17A8-921A-156221502DA2}"/>
-              </a:ext>
-            </a:extLst>
-          </p:cNvPr>
-          <p:cNvSpPr>
-            <a:spLocks noGrp="1"/>
-          </p:cNvSpPr>
-          <p:nvPr>
-            <p:ph sz="quarter" idx="12"/>
-          </p:nvPr>
-        </p:nvSpPr>
-        <p:spPr/>
-        <p:txBody>
-          <a:bodyPr/>
-          <a:lstStyle/>
-          <a:p>
-            <a:endParaRPr lang="zh-CN" altLang="en-US" dirty="0"/>
-          </a:p>
-        </p:txBody>
-      </p:sp>
-      <p:sp>
-        <p:nvSpPr>
-          <p:cNvPr id="5" name="内容占位符 4">
-            <a:extLst>
-              <a:ext uri="{FF2B5EF4-FFF2-40B4-BE49-F238E27FC236}">
-                <a16:creationId xmlns:a16="http://schemas.microsoft.com/office/drawing/2014/main" id="{EBD62F1D-AD76-FDC9-FB31-E6A329838CBF}"/>
-              </a:ext>
-            </a:extLst>
-          </p:cNvPr>
-          <p:cNvSpPr>
-            <a:spLocks noGrp="1"/>
-          </p:cNvSpPr>
-          <p:nvPr>
-            <p:ph idx="1"/>
-          </p:nvPr>
-        </p:nvSpPr>
-        <p:spPr>
-          <a:xfrm>
-            <a:off x="524414" y="1340768"/>
-            <a:ext cx="11142133" cy="4763504"/>
-          </a:xfrm>
-        </p:spPr>
-        <p:txBody>
-          <a:bodyPr/>
-          <a:lstStyle/>
-          <a:p>
-            <a:r>
-              <a:rPr lang="en-US" altLang="zh-CN" dirty="0"/>
-              <a:t>Can Large Language Models Build Causal Graphs</a:t>
-            </a:r>
-          </a:p>
-          <a:p>
-            <a:pPr lvl="1"/>
-            <a:r>
-              <a:rPr lang="en-US" altLang="zh-CN" dirty="0"/>
-              <a:t>Using medical context</a:t>
-            </a:r>
-          </a:p>
-          <a:p>
-            <a:pPr marL="200918" lvl="1" indent="0">
-              <a:buNone/>
-            </a:pPr>
-            <a:endParaRPr lang="en-US" altLang="zh-CN" dirty="0"/>
-          </a:p>
-          <a:p>
-            <a:pPr lvl="1"/>
-            <a:r>
-              <a:rPr lang="en-US" altLang="zh-CN" dirty="0"/>
-              <a:t>Determining whether GPT-3 can signal the presence or absence of an edge between two variables in a directed acyclic graph from the medical context. </a:t>
-            </a:r>
-          </a:p>
-          <a:p>
-            <a:pPr marL="200918" lvl="1" indent="0">
-              <a:buNone/>
-            </a:pPr>
-            <a:endParaRPr lang="en-US" altLang="zh-CN" dirty="0"/>
-          </a:p>
-          <a:p>
-            <a:pPr lvl="1"/>
-            <a:r>
-              <a:rPr lang="en-US" altLang="zh-CN" dirty="0"/>
-              <a:t>Evaluating whether the use of certain language in </a:t>
-            </a:r>
-            <a:r>
-              <a:rPr lang="en-US" altLang="zh-CN" b="1" dirty="0"/>
-              <a:t>prompts</a:t>
-            </a:r>
-            <a:r>
-              <a:rPr lang="en-US" altLang="zh-CN" dirty="0"/>
-              <a:t> or linking verbs improves the classification accuracy of GPT-3. </a:t>
-            </a:r>
-          </a:p>
-          <a:p>
-            <a:pPr lvl="2"/>
-            <a:r>
-              <a:rPr lang="en-US" altLang="zh-CN" dirty="0"/>
-              <a:t>Normally, a better prompt after iteration performs better</a:t>
-            </a:r>
-          </a:p>
-          <a:p>
-            <a:pPr lvl="2"/>
-            <a:r>
-              <a:rPr lang="en-US" altLang="zh-CN" dirty="0"/>
-              <a:t>Both verb and noun</a:t>
-            </a:r>
-          </a:p>
-          <a:p>
-            <a:pPr lvl="2"/>
-            <a:r>
-              <a:rPr lang="en-US" altLang="zh-CN" b="1" dirty="0"/>
-              <a:t>Specificity lowers accuracy</a:t>
-            </a:r>
-          </a:p>
-        </p:txBody>
-      </p:sp>
-    </p:spTree>
-    <p:extLst>
-      <p:ext uri="{BB962C8B-B14F-4D97-AF65-F5344CB8AC3E}">
-        <p14:creationId xmlns:p14="http://schemas.microsoft.com/office/powerpoint/2010/main" val="3890748340"/>
-      </p:ext>
-    </p:extLst>
-  </p:cSld>
-  <p:clrMapOvr>
-    <a:masterClrMapping/>
-  </p:clrMapOvr>
-</p:sld>
-</file>
-
 <file path=ppt/slides/slide2.xml><?xml version="1.0" encoding="utf-8"?>
 <p:sld xmlns:a="http://schemas.openxmlformats.org/drawingml/2006/main" xmlns:r="http://schemas.openxmlformats.org/officeDocument/2006/relationships" xmlns:p="http://schemas.openxmlformats.org/presentationml/2006/main">
   <p:cSld>
@@ -7959,16 +5825,19 @@
           <a:p>
             <a:r>
               <a:rPr lang="en-US" dirty="0"/>
-              <a:t>Example of my solution</a:t>
-            </a:r>
-          </a:p>
-          <a:p>
+              <a:t>Methodology</a:t>
+            </a:r>
+          </a:p>
+          <a:p>
+            <a:pPr marL="0" indent="0">
+              <a:buNone/>
+            </a:pPr>
             <a:endParaRPr lang="en-US" dirty="0"/>
           </a:p>
           <a:p>
             <a:r>
               <a:rPr lang="de-DE" dirty="0"/>
-              <a:t>Realization of my solution</a:t>
+              <a:t>A preliminary experiment</a:t>
             </a:r>
           </a:p>
           <a:p>
@@ -7977,7 +5846,7 @@
           <a:p>
             <a:r>
               <a:rPr lang="de-DE" dirty="0"/>
-              <a:t>Planned Evaluation</a:t>
+              <a:t>Evaluation</a:t>
             </a:r>
           </a:p>
         </p:txBody>
@@ -9486,30 +7355,23 @@
           <a:p>
             <a:r>
               <a:rPr lang="de-DE" dirty="0"/>
-              <a:t>Feature selection(tsfresh)</a:t>
+              <a:t>Feature selection</a:t>
             </a:r>
           </a:p>
           <a:p>
             <a:pPr lvl="1"/>
             <a:r>
-              <a:rPr lang="de-DE" altLang="zh-CN" dirty="0"/>
-              <a:t>Gašper et al. </a:t>
-            </a:r>
-            <a:r>
-              <a:rPr lang="en-US" dirty="0"/>
-              <a:t>provided a new method to understand the importance of time series feature generated by </a:t>
-            </a:r>
-            <a:r>
-              <a:rPr lang="en-US" dirty="0" err="1"/>
+              <a:rPr lang="en-US" altLang="zh-CN" dirty="0" err="1"/>
               <a:t>tsfresh</a:t>
             </a:r>
-            <a:endParaRPr lang="en-US" dirty="0"/>
-          </a:p>
-          <a:p>
-            <a:pPr marL="0" indent="0">
-              <a:buNone/>
-            </a:pPr>
-            <a:endParaRPr lang="de-DE" dirty="0"/>
+            <a:r>
+              <a:rPr lang="en-US" altLang="zh-CN" dirty="0"/>
+              <a:t> features offer better predictive performance </a:t>
+            </a:r>
+          </a:p>
+          <a:p>
+            <a:pPr lvl="1"/>
+            <a:endParaRPr lang="en-US" altLang="zh-CN" dirty="0"/>
           </a:p>
           <a:p>
             <a:r>
@@ -9520,26 +7382,24 @@
           <a:p>
             <a:pPr lvl="1"/>
             <a:r>
+              <a:rPr lang="de-DE" dirty="0"/>
+              <a:t>Prompt-based method &gt; </a:t>
+            </a:r>
+            <a:r>
               <a:rPr lang="de-DE" altLang="zh-CN" dirty="0"/>
-              <a:t>Xue et al. </a:t>
-            </a:r>
-            <a:r>
-              <a:rPr lang="de-DE" dirty="0"/>
-              <a:t>used prompt-based method to forecast time-series data</a:t>
+              <a:t>numerical-based in forecasting time-series data</a:t>
             </a:r>
           </a:p>
           <a:p>
             <a:pPr lvl="1"/>
             <a:r>
-              <a:rPr lang="de-DE" dirty="0"/>
-              <a:t>Set a benchmark to evaluate different methods and LLM</a:t>
-            </a:r>
-          </a:p>
-          <a:p>
-            <a:pPr marL="0" indent="0">
-              <a:buNone/>
-            </a:pPr>
-            <a:endParaRPr lang="de-DE" dirty="0"/>
+              <a:rPr lang="de-DE" altLang="zh-CN" dirty="0"/>
+              <a:t>Big advantage in zero-shot</a:t>
+            </a:r>
+          </a:p>
+          <a:p>
+            <a:pPr lvl="1"/>
+            <a:endParaRPr lang="de-DE" altLang="zh-CN" dirty="0"/>
           </a:p>
           <a:p>
             <a:r>
@@ -9551,11 +7411,14 @@
             <a:pPr lvl="1"/>
             <a:r>
               <a:rPr lang="de-DE" altLang="zh-CN" dirty="0"/>
-              <a:t>Stephanie et al. Proved that GPT can generate </a:t>
-            </a:r>
-            <a:r>
-              <a:rPr lang="de-DE" altLang="zh-CN"/>
-              <a:t>causal graphs in a high accuracy.</a:t>
+              <a:t>GPT can generate causal graphs in a high accuracy</a:t>
+            </a:r>
+          </a:p>
+          <a:p>
+            <a:pPr lvl="1"/>
+            <a:r>
+              <a:rPr lang="de-DE" altLang="zh-CN" dirty="0"/>
+              <a:t>Helpful in combining domain knowlegde to classification.</a:t>
             </a:r>
             <a:endParaRPr lang="de-DE" dirty="0"/>
           </a:p>
@@ -9665,6 +7528,68 @@
               <a:t> by ChatGPT</a:t>
             </a:r>
             <a:endParaRPr lang="zh-CN" altLang="en-US" dirty="0"/>
+          </a:p>
+        </p:txBody>
+      </p:sp>
+      <p:sp>
+        <p:nvSpPr>
+          <p:cNvPr id="7" name="文本框 6">
+            <a:extLst>
+              <a:ext uri="{FF2B5EF4-FFF2-40B4-BE49-F238E27FC236}">
+                <a16:creationId xmlns:a16="http://schemas.microsoft.com/office/drawing/2014/main" id="{3227EFA6-1A3C-C83E-EF87-F8A51BF6E566}"/>
+              </a:ext>
+            </a:extLst>
+          </p:cNvPr>
+          <p:cNvSpPr txBox="1"/>
+          <p:nvPr/>
+        </p:nvSpPr>
+        <p:spPr>
+          <a:xfrm>
+            <a:off x="4415136" y="5689356"/>
+            <a:ext cx="7776864" cy="584775"/>
+          </a:xfrm>
+          <a:prstGeom prst="rect">
+            <a:avLst/>
+          </a:prstGeom>
+          <a:noFill/>
+        </p:spPr>
+        <p:txBody>
+          <a:bodyPr wrap="square" rtlCol="0">
+            <a:spAutoFit/>
+          </a:bodyPr>
+          <a:lstStyle/>
+          <a:p>
+            <a:r>
+              <a:rPr lang="en-US" altLang="zh-CN" sz="800" dirty="0"/>
+              <a:t>Towards understanding the importance of time-series features in automated algorithm performance prediction, </a:t>
+            </a:r>
+            <a:r>
+              <a:rPr lang="de-DE" altLang="zh-CN" sz="800" dirty="0"/>
+              <a:t>Gašper Petelin, Gjorgjina Cenikj, Tome Eftimov, https://www.sciencedirect.com/science/article/pii/S0957417422020413</a:t>
+            </a:r>
+            <a:endParaRPr lang="en-US" altLang="zh-CN" sz="800" dirty="0"/>
+          </a:p>
+          <a:p>
+            <a:r>
+              <a:rPr lang="en-US" altLang="zh-CN" sz="800" dirty="0"/>
+              <a:t>PROMPTCAST: A NEW PROMPT-BASED LEARNING PARADIGM FOR TIME SERIES FORECASTING, </a:t>
+            </a:r>
+            <a:r>
+              <a:rPr lang="de-DE" altLang="zh-CN" sz="800" dirty="0"/>
+              <a:t>Hao Xue, Flora D. Salim, https://arxiv.org/abs/2210.08964</a:t>
+            </a:r>
+            <a:endParaRPr lang="en-US" altLang="zh-CN" sz="800" dirty="0"/>
+          </a:p>
+          <a:p>
+            <a:r>
+              <a:rPr lang="en-US" altLang="zh-CN" sz="800" dirty="0"/>
+              <a:t>Can Large Language Models Build Causal Graphs?, </a:t>
+            </a:r>
+            <a:r>
+              <a:rPr lang="de-DE" altLang="zh-CN" sz="800" dirty="0"/>
+              <a:t>Stephanie Long, Tibor Schuster, Alexandre Piché, https://arxiv.org/abs/2303.05279</a:t>
+            </a:r>
+            <a:endParaRPr lang="zh-CN" altLang="en-US" sz="800" dirty="0"/>
           </a:p>
         </p:txBody>
       </p:sp>
@@ -9726,8 +7651,127 @@
           <a:p>
             <a:r>
               <a:rPr lang="en-US" altLang="zh-CN" dirty="0"/>
-              <a:t>Example of my solution</a:t>
-            </a:r>
+              <a:t>Methodology</a:t>
+            </a:r>
+          </a:p>
+        </p:txBody>
+      </p:sp>
+      <p:sp>
+        <p:nvSpPr>
+          <p:cNvPr id="3" name="内容占位符 2">
+            <a:extLst>
+              <a:ext uri="{FF2B5EF4-FFF2-40B4-BE49-F238E27FC236}">
+                <a16:creationId xmlns:a16="http://schemas.microsoft.com/office/drawing/2014/main" id="{49A7830E-6D9B-EC49-9016-BD2272F775B6}"/>
+              </a:ext>
+            </a:extLst>
+          </p:cNvPr>
+          <p:cNvSpPr>
+            <a:spLocks noGrp="1"/>
+          </p:cNvSpPr>
+          <p:nvPr>
+            <p:ph idx="1"/>
+          </p:nvPr>
+        </p:nvSpPr>
+        <p:spPr/>
+        <p:txBody>
+          <a:bodyPr/>
+          <a:lstStyle/>
+          <a:p>
+            <a:r>
+              <a:rPr lang="de-DE" dirty="0"/>
+              <a:t>Feature selection(tsfresh)</a:t>
+            </a:r>
+          </a:p>
+          <a:p>
+            <a:pPr marL="0" indent="0">
+              <a:buNone/>
+            </a:pPr>
+            <a:endParaRPr lang="de-DE" dirty="0"/>
+          </a:p>
+          <a:p>
+            <a:r>
+              <a:rPr lang="de-DE" dirty="0"/>
+              <a:t>Prompt design</a:t>
+            </a:r>
+          </a:p>
+          <a:p>
+            <a:pPr lvl="1"/>
+            <a:r>
+              <a:rPr lang="de-DE" dirty="0"/>
+              <a:t>Context</a:t>
+            </a:r>
+          </a:p>
+          <a:p>
+            <a:pPr lvl="2"/>
+            <a:r>
+              <a:rPr lang="de-DE" altLang="zh-CN" dirty="0"/>
+              <a:t>Dataset description</a:t>
+            </a:r>
+          </a:p>
+          <a:p>
+            <a:pPr lvl="2"/>
+            <a:r>
+              <a:rPr lang="de-DE" altLang="zh-CN" dirty="0"/>
+              <a:t>Features</a:t>
+            </a:r>
+            <a:endParaRPr lang="de-DE" dirty="0"/>
+          </a:p>
+          <a:p>
+            <a:pPr lvl="1"/>
+            <a:r>
+              <a:rPr lang="de-DE" dirty="0"/>
+              <a:t>Query</a:t>
+            </a:r>
+          </a:p>
+          <a:p>
+            <a:pPr lvl="2"/>
+            <a:r>
+              <a:rPr lang="de-DE" dirty="0"/>
+              <a:t>Study which key words improve answer stability</a:t>
+            </a:r>
+          </a:p>
+          <a:p>
+            <a:pPr lvl="2"/>
+            <a:endParaRPr lang="de-DE" dirty="0"/>
+          </a:p>
+          <a:p>
+            <a:r>
+              <a:rPr lang="de-DE" dirty="0"/>
+              <a:t>Combine feature importance to </a:t>
+            </a:r>
+            <a:r>
+              <a:rPr lang="de-DE" altLang="zh-CN" b="0" i="0" dirty="0">
+                <a:solidFill>
+                  <a:srgbClr val="202124"/>
+                </a:solidFill>
+                <a:effectLst/>
+                <a:latin typeface="arial" panose="020B0604020202020204" pitchFamily="34" charset="0"/>
+              </a:rPr>
+              <a:t>domain</a:t>
+            </a:r>
+            <a:r>
+              <a:rPr lang="de-DE" dirty="0"/>
+              <a:t> knowledge</a:t>
+            </a:r>
+          </a:p>
+          <a:p>
+            <a:pPr lvl="1"/>
+            <a:r>
+              <a:rPr lang="de-DE" dirty="0"/>
+              <a:t>Get key words from answer and ask automatically.</a:t>
+            </a:r>
+          </a:p>
+          <a:p>
+            <a:pPr marL="0" indent="0">
+              <a:buNone/>
+            </a:pPr>
+            <a:endParaRPr lang="de-DE" dirty="0"/>
+          </a:p>
+          <a:p>
+            <a:endParaRPr lang="de-DE" dirty="0"/>
+          </a:p>
+          <a:p>
+            <a:endParaRPr lang="de-DE" dirty="0"/>
           </a:p>
         </p:txBody>
       </p:sp>
@@ -9754,8 +7798,315 @@
           <a:p>
             <a:r>
               <a:rPr lang="de-DE" dirty="0"/>
-              <a:t>Daily total female births in California</a:t>
-            </a:r>
+              <a:t>General pipeline</a:t>
+            </a:r>
+          </a:p>
+        </p:txBody>
+      </p:sp>
+      <p:sp>
+        <p:nvSpPr>
+          <p:cNvPr id="6" name="页脚占位符 5">
+            <a:extLst>
+              <a:ext uri="{FF2B5EF4-FFF2-40B4-BE49-F238E27FC236}">
+                <a16:creationId xmlns:a16="http://schemas.microsoft.com/office/drawing/2014/main" id="{0CF8B873-11B3-8A43-9A9C-860FB73713B4}"/>
+              </a:ext>
+            </a:extLst>
+          </p:cNvPr>
+          <p:cNvSpPr>
+            <a:spLocks noGrp="1"/>
+          </p:cNvSpPr>
+          <p:nvPr>
+            <p:ph type="ftr" sz="quarter" idx="13"/>
+          </p:nvPr>
+        </p:nvSpPr>
+        <p:spPr/>
+        <p:txBody>
+          <a:bodyPr/>
+          <a:lstStyle/>
+          <a:p>
+            <a:pPr algn="l"/>
+            <a:r>
+              <a:rPr lang="de-DE" dirty="0"/>
+              <a:t>Prof. Dr. Max Mustermann |  Name </a:t>
+            </a:r>
+            <a:r>
+              <a:rPr lang="de-DE" dirty="0" err="1"/>
+              <a:t>of</a:t>
+            </a:r>
+            <a:r>
+              <a:rPr lang="de-DE" dirty="0"/>
+              <a:t> </a:t>
+            </a:r>
+            <a:r>
+              <a:rPr lang="de-DE" dirty="0" err="1"/>
+              <a:t>Faculty</a:t>
+            </a:r>
+            <a:endParaRPr lang="de-DE" dirty="0"/>
+          </a:p>
+        </p:txBody>
+      </p:sp>
+      <p:pic>
+        <p:nvPicPr>
+          <p:cNvPr id="8" name="图片 7">
+            <a:extLst>
+              <a:ext uri="{FF2B5EF4-FFF2-40B4-BE49-F238E27FC236}">
+                <a16:creationId xmlns:a16="http://schemas.microsoft.com/office/drawing/2014/main" id="{76C46E2F-F1AF-A429-6666-9EE279401CC6}"/>
+              </a:ext>
+            </a:extLst>
+          </p:cNvPr>
+          <p:cNvPicPr>
+            <a:picLocks noChangeAspect="1"/>
+          </p:cNvPicPr>
+          <p:nvPr/>
+        </p:nvPicPr>
+        <p:blipFill>
+          <a:blip r:embed="rId2"/>
+          <a:stretch>
+            <a:fillRect/>
+          </a:stretch>
+        </p:blipFill>
+        <p:spPr>
+          <a:xfrm>
+            <a:off x="9120336" y="1574906"/>
+            <a:ext cx="2327039" cy="1979516"/>
+          </a:xfrm>
+          <a:prstGeom prst="rect">
+            <a:avLst/>
+          </a:prstGeom>
+        </p:spPr>
+      </p:pic>
+      <p:pic>
+        <p:nvPicPr>
+          <p:cNvPr id="10" name="图片 9">
+            <a:extLst>
+              <a:ext uri="{FF2B5EF4-FFF2-40B4-BE49-F238E27FC236}">
+                <a16:creationId xmlns:a16="http://schemas.microsoft.com/office/drawing/2014/main" id="{2A102B00-BF3E-27F0-EF90-478364DF8F1B}"/>
+              </a:ext>
+            </a:extLst>
+          </p:cNvPr>
+          <p:cNvPicPr>
+            <a:picLocks noChangeAspect="1"/>
+          </p:cNvPicPr>
+          <p:nvPr/>
+        </p:nvPicPr>
+        <p:blipFill>
+          <a:blip r:embed="rId3"/>
+          <a:stretch>
+            <a:fillRect/>
+          </a:stretch>
+        </p:blipFill>
+        <p:spPr>
+          <a:xfrm>
+            <a:off x="6331977" y="1574906"/>
+            <a:ext cx="2183290" cy="1979516"/>
+          </a:xfrm>
+          <a:prstGeom prst="rect">
+            <a:avLst/>
+          </a:prstGeom>
+        </p:spPr>
+      </p:pic>
+      <p:pic>
+        <p:nvPicPr>
+          <p:cNvPr id="12" name="图片 11">
+            <a:extLst>
+              <a:ext uri="{FF2B5EF4-FFF2-40B4-BE49-F238E27FC236}">
+                <a16:creationId xmlns:a16="http://schemas.microsoft.com/office/drawing/2014/main" id="{7F22F1EB-0E7C-499B-603F-79B38354698C}"/>
+              </a:ext>
+            </a:extLst>
+          </p:cNvPr>
+          <p:cNvPicPr>
+            <a:picLocks noChangeAspect="1"/>
+          </p:cNvPicPr>
+          <p:nvPr/>
+        </p:nvPicPr>
+        <p:blipFill>
+          <a:blip r:embed="rId4"/>
+          <a:stretch>
+            <a:fillRect/>
+          </a:stretch>
+        </p:blipFill>
+        <p:spPr>
+          <a:xfrm>
+            <a:off x="7139869" y="3800007"/>
+            <a:ext cx="567506" cy="567506"/>
+          </a:xfrm>
+          <a:prstGeom prst="rect">
+            <a:avLst/>
+          </a:prstGeom>
+        </p:spPr>
+      </p:pic>
+      <p:pic>
+        <p:nvPicPr>
+          <p:cNvPr id="13" name="图片 12">
+            <a:extLst>
+              <a:ext uri="{FF2B5EF4-FFF2-40B4-BE49-F238E27FC236}">
+                <a16:creationId xmlns:a16="http://schemas.microsoft.com/office/drawing/2014/main" id="{B7F7F7C6-4ECC-F8CF-DB89-96ECF4D954EA}"/>
+              </a:ext>
+            </a:extLst>
+          </p:cNvPr>
+          <p:cNvPicPr>
+            <a:picLocks noChangeAspect="1"/>
+          </p:cNvPicPr>
+          <p:nvPr/>
+        </p:nvPicPr>
+        <p:blipFill>
+          <a:blip r:embed="rId5">
+            <a:extLst>
+              <a:ext uri="{BEBA8EAE-BF5A-486C-A8C5-ECC9F3942E4B}">
+                <a14:imgProps xmlns:a14="http://schemas.microsoft.com/office/drawing/2010/main">
+                  <a14:imgLayer r:embed="rId6">
+                    <a14:imgEffect>
+                      <a14:brightnessContrast bright="40000" contrast="-40000"/>
+                    </a14:imgEffect>
+                  </a14:imgLayer>
+                </a14:imgProps>
+              </a:ext>
+            </a:extLst>
+          </a:blip>
+          <a:stretch>
+            <a:fillRect/>
+          </a:stretch>
+        </p:blipFill>
+        <p:spPr>
+          <a:xfrm>
+            <a:off x="10056437" y="3800007"/>
+            <a:ext cx="567507" cy="567507"/>
+          </a:xfrm>
+          <a:prstGeom prst="rect">
+            <a:avLst/>
+          </a:prstGeom>
+        </p:spPr>
+      </p:pic>
+      <p:sp>
+        <p:nvSpPr>
+          <p:cNvPr id="4" name="内容占位符 3">
+            <a:extLst>
+              <a:ext uri="{FF2B5EF4-FFF2-40B4-BE49-F238E27FC236}">
+                <a16:creationId xmlns:a16="http://schemas.microsoft.com/office/drawing/2014/main" id="{D2838CC1-66F0-3C0B-DDFC-EDB572510BA3}"/>
+              </a:ext>
+            </a:extLst>
+          </p:cNvPr>
+          <p:cNvSpPr>
+            <a:spLocks noGrp="1"/>
+          </p:cNvSpPr>
+          <p:nvPr>
+            <p:ph sz="quarter" idx="11"/>
+          </p:nvPr>
+        </p:nvSpPr>
+        <p:spPr/>
+        <p:txBody>
+          <a:bodyPr/>
+          <a:lstStyle/>
+          <a:p>
+            <a:r>
+              <a:rPr lang="en-US" altLang="de-DE" sz="1800" kern="0" dirty="0"/>
+              <a:t>Generate explanations for time-series classif</a:t>
+            </a:r>
+            <a:r>
+              <a:rPr lang="en-US" altLang="zh-CN" sz="1800" kern="0" dirty="0"/>
+              <a:t>ication</a:t>
+            </a:r>
+            <a:r>
+              <a:rPr lang="en-US" altLang="de-DE" sz="1800" kern="0" dirty="0"/>
+              <a:t> by ChatGPT</a:t>
+            </a:r>
+            <a:endParaRPr lang="zh-CN" altLang="en-US" dirty="0"/>
+          </a:p>
+        </p:txBody>
+      </p:sp>
+    </p:spTree>
+    <p:extLst>
+      <p:ext uri="{BB962C8B-B14F-4D97-AF65-F5344CB8AC3E}">
+        <p14:creationId xmlns:p14="http://schemas.microsoft.com/office/powerpoint/2010/main" val="2057791560"/>
+      </p:ext>
+    </p:extLst>
+  </p:cSld>
+  <p:clrMapOvr>
+    <a:masterClrMapping/>
+  </p:clrMapOvr>
+</p:sld>
+</file>
+
+<file path=ppt/slides/slide7.xml><?xml version="1.0" encoding="utf-8"?>
+<p:sld xmlns:a="http://schemas.openxmlformats.org/drawingml/2006/main" xmlns:r="http://schemas.openxmlformats.org/officeDocument/2006/relationships" xmlns:p="http://schemas.openxmlformats.org/presentationml/2006/main">
+  <p:cSld>
+    <p:spTree>
+      <p:nvGrpSpPr>
+        <p:cNvPr id="1" name=""/>
+        <p:cNvGrpSpPr/>
+        <p:nvPr/>
+      </p:nvGrpSpPr>
+      <p:grpSpPr>
+        <a:xfrm>
+          <a:off x="0" y="0"/>
+          <a:ext cx="0" cy="0"/>
+          <a:chOff x="0" y="0"/>
+          <a:chExt cx="0" cy="0"/>
+        </a:xfrm>
+      </p:grpSpPr>
+      <p:sp>
+        <p:nvSpPr>
+          <p:cNvPr id="2" name="标题 1">
+            <a:extLst>
+              <a:ext uri="{FF2B5EF4-FFF2-40B4-BE49-F238E27FC236}">
+                <a16:creationId xmlns:a16="http://schemas.microsoft.com/office/drawing/2014/main" id="{D77A0549-EC48-084B-9491-8DBCF5888C38}"/>
+              </a:ext>
+            </a:extLst>
+          </p:cNvPr>
+          <p:cNvSpPr>
+            <a:spLocks noGrp="1"/>
+          </p:cNvSpPr>
+          <p:nvPr>
+            <p:ph type="title"/>
+          </p:nvPr>
+        </p:nvSpPr>
+        <p:spPr>
+          <a:xfrm>
+            <a:off x="505869" y="260648"/>
+            <a:ext cx="9215967" cy="575336"/>
+          </a:xfrm>
+        </p:spPr>
+        <p:txBody>
+          <a:bodyPr/>
+          <a:lstStyle/>
+          <a:p>
+            <a:r>
+              <a:rPr lang="en-US" altLang="zh-CN" dirty="0"/>
+              <a:t>A preliminary experiment</a:t>
+            </a:r>
+          </a:p>
+        </p:txBody>
+      </p:sp>
+      <p:sp>
+        <p:nvSpPr>
+          <p:cNvPr id="5" name="内容占位符 4">
+            <a:extLst>
+              <a:ext uri="{FF2B5EF4-FFF2-40B4-BE49-F238E27FC236}">
+                <a16:creationId xmlns:a16="http://schemas.microsoft.com/office/drawing/2014/main" id="{445D3820-0C66-D04D-9162-C3447D297A63}"/>
+              </a:ext>
+            </a:extLst>
+          </p:cNvPr>
+          <p:cNvSpPr>
+            <a:spLocks noGrp="1"/>
+          </p:cNvSpPr>
+          <p:nvPr>
+            <p:ph sz="quarter" idx="12"/>
+          </p:nvPr>
+        </p:nvSpPr>
+        <p:spPr/>
+        <p:txBody>
+          <a:bodyPr/>
+          <a:lstStyle/>
+          <a:p>
+            <a:r>
+              <a:rPr lang="de-DE" dirty="0"/>
+              <a:t>Daily total female births in California </a:t>
+            </a:r>
+            <a:r>
+              <a:rPr lang="en-US" altLang="zh-CN" dirty="0"/>
+              <a:t>in 1959</a:t>
+            </a:r>
+            <a:endParaRPr lang="de-DE" dirty="0"/>
           </a:p>
         </p:txBody>
       </p:sp>
@@ -10805,434 +9156,6 @@
 </p:sld>
 </file>
 
-<file path=ppt/slides/slide7.xml><?xml version="1.0" encoding="utf-8"?>
-<p:sld xmlns:a="http://schemas.openxmlformats.org/drawingml/2006/main" xmlns:r="http://schemas.openxmlformats.org/officeDocument/2006/relationships" xmlns:p="http://schemas.openxmlformats.org/presentationml/2006/main">
-  <p:cSld>
-    <p:spTree>
-      <p:nvGrpSpPr>
-        <p:cNvPr id="1" name=""/>
-        <p:cNvGrpSpPr/>
-        <p:nvPr/>
-      </p:nvGrpSpPr>
-      <p:grpSpPr>
-        <a:xfrm>
-          <a:off x="0" y="0"/>
-          <a:ext cx="0" cy="0"/>
-          <a:chOff x="0" y="0"/>
-          <a:chExt cx="0" cy="0"/>
-        </a:xfrm>
-      </p:grpSpPr>
-      <p:sp>
-        <p:nvSpPr>
-          <p:cNvPr id="2" name="标题 1">
-            <a:extLst>
-              <a:ext uri="{FF2B5EF4-FFF2-40B4-BE49-F238E27FC236}">
-                <a16:creationId xmlns:a16="http://schemas.microsoft.com/office/drawing/2014/main" id="{D77A0549-EC48-084B-9491-8DBCF5888C38}"/>
-              </a:ext>
-            </a:extLst>
-          </p:cNvPr>
-          <p:cNvSpPr>
-            <a:spLocks noGrp="1"/>
-          </p:cNvSpPr>
-          <p:nvPr>
-            <p:ph type="title"/>
-          </p:nvPr>
-        </p:nvSpPr>
-        <p:spPr>
-          <a:xfrm>
-            <a:off x="505869" y="260648"/>
-            <a:ext cx="9215967" cy="575336"/>
-          </a:xfrm>
-        </p:spPr>
-        <p:txBody>
-          <a:bodyPr/>
-          <a:lstStyle/>
-          <a:p>
-            <a:r>
-              <a:rPr lang="de-DE" altLang="zh-CN" dirty="0"/>
-              <a:t>Realization of my solution</a:t>
-            </a:r>
-          </a:p>
-        </p:txBody>
-      </p:sp>
-      <p:sp>
-        <p:nvSpPr>
-          <p:cNvPr id="3" name="内容占位符 2">
-            <a:extLst>
-              <a:ext uri="{FF2B5EF4-FFF2-40B4-BE49-F238E27FC236}">
-                <a16:creationId xmlns:a16="http://schemas.microsoft.com/office/drawing/2014/main" id="{49A7830E-6D9B-EC49-9016-BD2272F775B6}"/>
-              </a:ext>
-            </a:extLst>
-          </p:cNvPr>
-          <p:cNvSpPr>
-            <a:spLocks noGrp="1"/>
-          </p:cNvSpPr>
-          <p:nvPr>
-            <p:ph idx="1"/>
-          </p:nvPr>
-        </p:nvSpPr>
-        <p:spPr/>
-        <p:txBody>
-          <a:bodyPr/>
-          <a:lstStyle/>
-          <a:p>
-            <a:r>
-              <a:rPr lang="de-DE" dirty="0"/>
-              <a:t>Feature selection(tsfresh)</a:t>
-            </a:r>
-          </a:p>
-          <a:p>
-            <a:pPr marL="0" indent="0">
-              <a:buNone/>
-            </a:pPr>
-            <a:endParaRPr lang="de-DE" dirty="0"/>
-          </a:p>
-          <a:p>
-            <a:r>
-              <a:rPr lang="de-DE" dirty="0"/>
-              <a:t>Prompt design</a:t>
-            </a:r>
-          </a:p>
-          <a:p>
-            <a:pPr lvl="1"/>
-            <a:r>
-              <a:rPr lang="de-DE" dirty="0"/>
-              <a:t>Context</a:t>
-            </a:r>
-          </a:p>
-          <a:p>
-            <a:pPr lvl="2"/>
-            <a:r>
-              <a:rPr lang="de-DE" altLang="zh-CN" dirty="0"/>
-              <a:t>Dataset description</a:t>
-            </a:r>
-          </a:p>
-          <a:p>
-            <a:pPr lvl="2"/>
-            <a:r>
-              <a:rPr lang="de-DE" altLang="zh-CN" dirty="0"/>
-              <a:t>Features</a:t>
-            </a:r>
-            <a:endParaRPr lang="de-DE" dirty="0"/>
-          </a:p>
-          <a:p>
-            <a:pPr lvl="1"/>
-            <a:r>
-              <a:rPr lang="de-DE" dirty="0"/>
-              <a:t>Query</a:t>
-            </a:r>
-          </a:p>
-          <a:p>
-            <a:pPr lvl="2"/>
-            <a:r>
-              <a:rPr lang="de-DE" dirty="0"/>
-              <a:t>Study which key words improve answer stability</a:t>
-            </a:r>
-          </a:p>
-          <a:p>
-            <a:pPr lvl="2"/>
-            <a:endParaRPr lang="de-DE" dirty="0"/>
-          </a:p>
-          <a:p>
-            <a:r>
-              <a:rPr lang="de-DE" dirty="0"/>
-              <a:t>Combine feature importance to </a:t>
-            </a:r>
-            <a:r>
-              <a:rPr lang="de-DE" altLang="zh-CN" b="0" i="0" dirty="0">
-                <a:solidFill>
-                  <a:srgbClr val="202124"/>
-                </a:solidFill>
-                <a:effectLst/>
-                <a:latin typeface="arial" panose="020B0604020202020204" pitchFamily="34" charset="0"/>
-              </a:rPr>
-              <a:t>domain</a:t>
-            </a:r>
-            <a:r>
-              <a:rPr lang="de-DE" dirty="0"/>
-              <a:t> knowledge</a:t>
-            </a:r>
-          </a:p>
-          <a:p>
-            <a:pPr lvl="1"/>
-            <a:r>
-              <a:rPr lang="de-DE" dirty="0"/>
-              <a:t>Get key words from answer and ask automatically.</a:t>
-            </a:r>
-          </a:p>
-          <a:p>
-            <a:pPr lvl="1"/>
-            <a:endParaRPr lang="de-DE" dirty="0"/>
-          </a:p>
-          <a:p>
-            <a:r>
-              <a:rPr lang="de-DE" dirty="0"/>
-              <a:t>Prove the reliability</a:t>
-            </a:r>
-          </a:p>
-          <a:p>
-            <a:pPr marL="0" indent="0">
-              <a:buNone/>
-            </a:pPr>
-            <a:endParaRPr lang="de-DE" dirty="0"/>
-          </a:p>
-          <a:p>
-            <a:endParaRPr lang="de-DE" dirty="0"/>
-          </a:p>
-          <a:p>
-            <a:endParaRPr lang="de-DE" dirty="0"/>
-          </a:p>
-        </p:txBody>
-      </p:sp>
-      <p:sp>
-        <p:nvSpPr>
-          <p:cNvPr id="5" name="内容占位符 4">
-            <a:extLst>
-              <a:ext uri="{FF2B5EF4-FFF2-40B4-BE49-F238E27FC236}">
-                <a16:creationId xmlns:a16="http://schemas.microsoft.com/office/drawing/2014/main" id="{445D3820-0C66-D04D-9162-C3447D297A63}"/>
-              </a:ext>
-            </a:extLst>
-          </p:cNvPr>
-          <p:cNvSpPr>
-            <a:spLocks noGrp="1"/>
-          </p:cNvSpPr>
-          <p:nvPr>
-            <p:ph sz="quarter" idx="12"/>
-          </p:nvPr>
-        </p:nvSpPr>
-        <p:spPr/>
-        <p:txBody>
-          <a:bodyPr/>
-          <a:lstStyle/>
-          <a:p>
-            <a:endParaRPr lang="de-DE" dirty="0"/>
-          </a:p>
-        </p:txBody>
-      </p:sp>
-      <p:sp>
-        <p:nvSpPr>
-          <p:cNvPr id="6" name="页脚占位符 5">
-            <a:extLst>
-              <a:ext uri="{FF2B5EF4-FFF2-40B4-BE49-F238E27FC236}">
-                <a16:creationId xmlns:a16="http://schemas.microsoft.com/office/drawing/2014/main" id="{0CF8B873-11B3-8A43-9A9C-860FB73713B4}"/>
-              </a:ext>
-            </a:extLst>
-          </p:cNvPr>
-          <p:cNvSpPr>
-            <a:spLocks noGrp="1"/>
-          </p:cNvSpPr>
-          <p:nvPr>
-            <p:ph type="ftr" sz="quarter" idx="13"/>
-          </p:nvPr>
-        </p:nvSpPr>
-        <p:spPr/>
-        <p:txBody>
-          <a:bodyPr/>
-          <a:lstStyle/>
-          <a:p>
-            <a:pPr algn="l"/>
-            <a:r>
-              <a:rPr lang="de-DE" dirty="0"/>
-              <a:t>Prof. Dr. Max Mustermann |  Name </a:t>
-            </a:r>
-            <a:r>
-              <a:rPr lang="de-DE" dirty="0" err="1"/>
-              <a:t>of</a:t>
-            </a:r>
-            <a:r>
-              <a:rPr lang="de-DE" dirty="0"/>
-              <a:t> </a:t>
-            </a:r>
-            <a:r>
-              <a:rPr lang="de-DE" dirty="0" err="1"/>
-              <a:t>Faculty</a:t>
-            </a:r>
-            <a:endParaRPr lang="de-DE" dirty="0"/>
-          </a:p>
-        </p:txBody>
-      </p:sp>
-      <p:pic>
-        <p:nvPicPr>
-          <p:cNvPr id="8" name="图片 7">
-            <a:extLst>
-              <a:ext uri="{FF2B5EF4-FFF2-40B4-BE49-F238E27FC236}">
-                <a16:creationId xmlns:a16="http://schemas.microsoft.com/office/drawing/2014/main" id="{76C46E2F-F1AF-A429-6666-9EE279401CC6}"/>
-              </a:ext>
-            </a:extLst>
-          </p:cNvPr>
-          <p:cNvPicPr>
-            <a:picLocks noChangeAspect="1"/>
-          </p:cNvPicPr>
-          <p:nvPr/>
-        </p:nvPicPr>
-        <p:blipFill>
-          <a:blip r:embed="rId2"/>
-          <a:stretch>
-            <a:fillRect/>
-          </a:stretch>
-        </p:blipFill>
-        <p:spPr>
-          <a:xfrm>
-            <a:off x="9120336" y="1574906"/>
-            <a:ext cx="2327039" cy="1979516"/>
-          </a:xfrm>
-          <a:prstGeom prst="rect">
-            <a:avLst/>
-          </a:prstGeom>
-        </p:spPr>
-      </p:pic>
-      <p:pic>
-        <p:nvPicPr>
-          <p:cNvPr id="10" name="图片 9">
-            <a:extLst>
-              <a:ext uri="{FF2B5EF4-FFF2-40B4-BE49-F238E27FC236}">
-                <a16:creationId xmlns:a16="http://schemas.microsoft.com/office/drawing/2014/main" id="{2A102B00-BF3E-27F0-EF90-478364DF8F1B}"/>
-              </a:ext>
-            </a:extLst>
-          </p:cNvPr>
-          <p:cNvPicPr>
-            <a:picLocks noChangeAspect="1"/>
-          </p:cNvPicPr>
-          <p:nvPr/>
-        </p:nvPicPr>
-        <p:blipFill>
-          <a:blip r:embed="rId3"/>
-          <a:stretch>
-            <a:fillRect/>
-          </a:stretch>
-        </p:blipFill>
-        <p:spPr>
-          <a:xfrm>
-            <a:off x="6331977" y="1574906"/>
-            <a:ext cx="2183290" cy="1979516"/>
-          </a:xfrm>
-          <a:prstGeom prst="rect">
-            <a:avLst/>
-          </a:prstGeom>
-        </p:spPr>
-      </p:pic>
-      <p:pic>
-        <p:nvPicPr>
-          <p:cNvPr id="12" name="图片 11">
-            <a:extLst>
-              <a:ext uri="{FF2B5EF4-FFF2-40B4-BE49-F238E27FC236}">
-                <a16:creationId xmlns:a16="http://schemas.microsoft.com/office/drawing/2014/main" id="{7F22F1EB-0E7C-499B-603F-79B38354698C}"/>
-              </a:ext>
-            </a:extLst>
-          </p:cNvPr>
-          <p:cNvPicPr>
-            <a:picLocks noChangeAspect="1"/>
-          </p:cNvPicPr>
-          <p:nvPr/>
-        </p:nvPicPr>
-        <p:blipFill>
-          <a:blip r:embed="rId4"/>
-          <a:stretch>
-            <a:fillRect/>
-          </a:stretch>
-        </p:blipFill>
-        <p:spPr>
-          <a:xfrm>
-            <a:off x="7139869" y="3800007"/>
-            <a:ext cx="567506" cy="567506"/>
-          </a:xfrm>
-          <a:prstGeom prst="rect">
-            <a:avLst/>
-          </a:prstGeom>
-        </p:spPr>
-      </p:pic>
-      <p:pic>
-        <p:nvPicPr>
-          <p:cNvPr id="13" name="图片 12">
-            <a:extLst>
-              <a:ext uri="{FF2B5EF4-FFF2-40B4-BE49-F238E27FC236}">
-                <a16:creationId xmlns:a16="http://schemas.microsoft.com/office/drawing/2014/main" id="{B7F7F7C6-4ECC-F8CF-DB89-96ECF4D954EA}"/>
-              </a:ext>
-            </a:extLst>
-          </p:cNvPr>
-          <p:cNvPicPr>
-            <a:picLocks noChangeAspect="1"/>
-          </p:cNvPicPr>
-          <p:nvPr/>
-        </p:nvPicPr>
-        <p:blipFill>
-          <a:blip r:embed="rId5">
-            <a:extLst>
-              <a:ext uri="{BEBA8EAE-BF5A-486C-A8C5-ECC9F3942E4B}">
-                <a14:imgProps xmlns:a14="http://schemas.microsoft.com/office/drawing/2010/main">
-                  <a14:imgLayer r:embed="rId6">
-                    <a14:imgEffect>
-                      <a14:brightnessContrast bright="40000" contrast="-40000"/>
-                    </a14:imgEffect>
-                  </a14:imgLayer>
-                </a14:imgProps>
-              </a:ext>
-            </a:extLst>
-          </a:blip>
-          <a:stretch>
-            <a:fillRect/>
-          </a:stretch>
-        </p:blipFill>
-        <p:spPr>
-          <a:xfrm>
-            <a:off x="10056437" y="3800007"/>
-            <a:ext cx="567507" cy="567507"/>
-          </a:xfrm>
-          <a:prstGeom prst="rect">
-            <a:avLst/>
-          </a:prstGeom>
-        </p:spPr>
-      </p:pic>
-      <p:sp>
-        <p:nvSpPr>
-          <p:cNvPr id="4" name="内容占位符 3">
-            <a:extLst>
-              <a:ext uri="{FF2B5EF4-FFF2-40B4-BE49-F238E27FC236}">
-                <a16:creationId xmlns:a16="http://schemas.microsoft.com/office/drawing/2014/main" id="{D2838CC1-66F0-3C0B-DDFC-EDB572510BA3}"/>
-              </a:ext>
-            </a:extLst>
-          </p:cNvPr>
-          <p:cNvSpPr>
-            <a:spLocks noGrp="1"/>
-          </p:cNvSpPr>
-          <p:nvPr>
-            <p:ph sz="quarter" idx="11"/>
-          </p:nvPr>
-        </p:nvSpPr>
-        <p:spPr/>
-        <p:txBody>
-          <a:bodyPr/>
-          <a:lstStyle/>
-          <a:p>
-            <a:r>
-              <a:rPr lang="en-US" altLang="de-DE" sz="1800" kern="0" dirty="0"/>
-              <a:t>Generate explanations for time-series classif</a:t>
-            </a:r>
-            <a:r>
-              <a:rPr lang="en-US" altLang="zh-CN" sz="1800" kern="0" dirty="0"/>
-              <a:t>ication</a:t>
-            </a:r>
-            <a:r>
-              <a:rPr lang="en-US" altLang="de-DE" sz="1800" kern="0" dirty="0"/>
-              <a:t> by ChatGPT</a:t>
-            </a:r>
-            <a:endParaRPr lang="zh-CN" altLang="en-US" dirty="0"/>
-          </a:p>
-        </p:txBody>
-      </p:sp>
-    </p:spTree>
-    <p:extLst>
-      <p:ext uri="{BB962C8B-B14F-4D97-AF65-F5344CB8AC3E}">
-        <p14:creationId xmlns:p14="http://schemas.microsoft.com/office/powerpoint/2010/main" val="2057791560"/>
-      </p:ext>
-    </p:extLst>
-  </p:cSld>
-  <p:clrMapOvr>
-    <a:masterClrMapping/>
-  </p:clrMapOvr>
-</p:sld>
-</file>
-
 <file path=ppt/slides/slide8.xml><?xml version="1.0" encoding="utf-8"?>
 <p:sld xmlns:a="http://schemas.openxmlformats.org/drawingml/2006/main" xmlns:r="http://schemas.openxmlformats.org/officeDocument/2006/relationships" xmlns:p="http://schemas.openxmlformats.org/presentationml/2006/main">
   <p:cSld>
@@ -11278,7 +9201,7 @@
           <a:p>
             <a:r>
               <a:rPr lang="de-DE" altLang="zh-CN" dirty="0"/>
-              <a:t>Planned Evaluation</a:t>
+              <a:t>Evaluation</a:t>
             </a:r>
           </a:p>
         </p:txBody>
@@ -11512,834 +9435,6 @@
     <p:extLst>
       <p:ext uri="{BB962C8B-B14F-4D97-AF65-F5344CB8AC3E}">
         <p14:creationId xmlns:p14="http://schemas.microsoft.com/office/powerpoint/2010/main" val="3567624090"/>
-      </p:ext>
-    </p:extLst>
-  </p:cSld>
-  <p:clrMapOvr>
-    <a:masterClrMapping/>
-  </p:clrMapOvr>
-</p:sld>
-</file>
-
-<file path=ppt/slides/slide9.xml><?xml version="1.0" encoding="utf-8"?>
-<p:sld xmlns:a="http://schemas.openxmlformats.org/drawingml/2006/main" xmlns:r="http://schemas.openxmlformats.org/officeDocument/2006/relationships" xmlns:p="http://schemas.openxmlformats.org/presentationml/2006/main">
-  <p:cSld>
-    <p:spTree>
-      <p:nvGrpSpPr>
-        <p:cNvPr id="1" name=""/>
-        <p:cNvGrpSpPr/>
-        <p:nvPr/>
-      </p:nvGrpSpPr>
-      <p:grpSpPr>
-        <a:xfrm>
-          <a:off x="0" y="0"/>
-          <a:ext cx="0" cy="0"/>
-          <a:chOff x="0" y="0"/>
-          <a:chExt cx="0" cy="0"/>
-        </a:xfrm>
-      </p:grpSpPr>
-      <p:sp>
-        <p:nvSpPr>
-          <p:cNvPr id="2" name="标题 1">
-            <a:extLst>
-              <a:ext uri="{FF2B5EF4-FFF2-40B4-BE49-F238E27FC236}">
-                <a16:creationId xmlns:a16="http://schemas.microsoft.com/office/drawing/2014/main" id="{D77A0549-EC48-084B-9491-8DBCF5888C38}"/>
-              </a:ext>
-            </a:extLst>
-          </p:cNvPr>
-          <p:cNvSpPr>
-            <a:spLocks noGrp="1"/>
-          </p:cNvSpPr>
-          <p:nvPr>
-            <p:ph type="title"/>
-          </p:nvPr>
-        </p:nvSpPr>
-        <p:spPr>
-          <a:xfrm>
-            <a:off x="505869" y="260648"/>
-            <a:ext cx="9215967" cy="575336"/>
-          </a:xfrm>
-        </p:spPr>
-        <p:txBody>
-          <a:bodyPr/>
-          <a:lstStyle/>
-          <a:p>
-            <a:r>
-              <a:rPr lang="de-DE" altLang="zh-CN" dirty="0"/>
-              <a:t>Prompt engineering</a:t>
-            </a:r>
-          </a:p>
-        </p:txBody>
-      </p:sp>
-      <p:sp>
-        <p:nvSpPr>
-          <p:cNvPr id="3" name="内容占位符 2">
-            <a:extLst>
-              <a:ext uri="{FF2B5EF4-FFF2-40B4-BE49-F238E27FC236}">
-                <a16:creationId xmlns:a16="http://schemas.microsoft.com/office/drawing/2014/main" id="{49A7830E-6D9B-EC49-9016-BD2272F775B6}"/>
-              </a:ext>
-            </a:extLst>
-          </p:cNvPr>
-          <p:cNvSpPr>
-            <a:spLocks noGrp="1"/>
-          </p:cNvSpPr>
-          <p:nvPr>
-            <p:ph idx="1"/>
-          </p:nvPr>
-        </p:nvSpPr>
-        <p:spPr>
-          <a:xfrm>
-            <a:off x="6960096" y="1913282"/>
-            <a:ext cx="4677944" cy="3031435"/>
-          </a:xfrm>
-        </p:spPr>
-        <p:txBody>
-          <a:bodyPr/>
-          <a:lstStyle/>
-          <a:p>
-            <a:pPr>
-              <a:buFont typeface="Arial" panose="020B0604020202020204" pitchFamily="34" charset="0"/>
-              <a:buChar char="•"/>
-            </a:pPr>
-            <a:endParaRPr lang="de-DE" dirty="0"/>
-          </a:p>
-          <a:p>
-            <a:pPr marL="1028700" marR="0">
-              <a:spcBef>
-                <a:spcPts val="0"/>
-              </a:spcBef>
-              <a:spcAft>
-                <a:spcPts val="0"/>
-              </a:spcAft>
-            </a:pPr>
-            <a:r>
-              <a:rPr lang="zh-CN" altLang="zh-CN" sz="1800" dirty="0">
-                <a:effectLst/>
-                <a:ea typeface="Microsoft YaHei" panose="020B0503020204020204" pitchFamily="34" charset="-122"/>
-              </a:rPr>
-              <a:t>Use the following format:</a:t>
-            </a:r>
-          </a:p>
-          <a:p>
-            <a:pPr marL="1028700" marR="0">
-              <a:spcBef>
-                <a:spcPts val="0"/>
-              </a:spcBef>
-              <a:spcAft>
-                <a:spcPts val="0"/>
-              </a:spcAft>
-            </a:pPr>
-            <a:r>
-              <a:rPr lang="zh-CN" altLang="zh-CN" sz="1800" dirty="0">
-                <a:effectLst/>
-                <a:ea typeface="Microsoft YaHei" panose="020B0503020204020204" pitchFamily="34" charset="-122"/>
-              </a:rPr>
-              <a:t>Text: &lt;text to summarize&gt;</a:t>
-            </a:r>
-          </a:p>
-          <a:p>
-            <a:pPr marL="1028700" marR="0">
-              <a:spcBef>
-                <a:spcPts val="0"/>
-              </a:spcBef>
-              <a:spcAft>
-                <a:spcPts val="0"/>
-              </a:spcAft>
-            </a:pPr>
-            <a:r>
-              <a:rPr lang="zh-CN" altLang="zh-CN" sz="1800" dirty="0">
-                <a:effectLst/>
-                <a:ea typeface="Microsoft YaHei" panose="020B0503020204020204" pitchFamily="34" charset="-122"/>
-              </a:rPr>
-              <a:t>Summary: &lt;summary&gt;</a:t>
-            </a:r>
-          </a:p>
-          <a:p>
-            <a:pPr marL="1028700" marR="0">
-              <a:spcBef>
-                <a:spcPts val="0"/>
-              </a:spcBef>
-              <a:spcAft>
-                <a:spcPts val="0"/>
-              </a:spcAft>
-            </a:pPr>
-            <a:r>
-              <a:rPr lang="zh-CN" altLang="zh-CN" sz="1800" dirty="0">
-                <a:effectLst/>
-                <a:ea typeface="Microsoft YaHei" panose="020B0503020204020204" pitchFamily="34" charset="-122"/>
-              </a:rPr>
-              <a:t>Translation: &lt;summary translation&gt;</a:t>
-            </a:r>
-          </a:p>
-          <a:p>
-            <a:pPr marL="1028700" marR="0">
-              <a:spcBef>
-                <a:spcPts val="0"/>
-              </a:spcBef>
-              <a:spcAft>
-                <a:spcPts val="0"/>
-              </a:spcAft>
-            </a:pPr>
-            <a:r>
-              <a:rPr lang="zh-CN" altLang="zh-CN" sz="1800" dirty="0">
-                <a:effectLst/>
-                <a:ea typeface="Microsoft YaHei" panose="020B0503020204020204" pitchFamily="34" charset="-122"/>
-              </a:rPr>
-              <a:t>Names: &lt;list of names in French summary&gt;</a:t>
-            </a:r>
-          </a:p>
-          <a:p>
-            <a:pPr marL="1028700" marR="0">
-              <a:spcBef>
-                <a:spcPts val="0"/>
-              </a:spcBef>
-              <a:spcAft>
-                <a:spcPts val="0"/>
-              </a:spcAft>
-            </a:pPr>
-            <a:r>
-              <a:rPr lang="zh-CN" altLang="zh-CN" sz="1800" dirty="0">
-                <a:effectLst/>
-                <a:ea typeface="Microsoft YaHei" panose="020B0503020204020204" pitchFamily="34" charset="-122"/>
-              </a:rPr>
-              <a:t>Output JSON: &lt;json with summary and num_names&gt;</a:t>
-            </a:r>
-          </a:p>
-          <a:p>
-            <a:endParaRPr lang="de-DE" dirty="0"/>
-          </a:p>
-        </p:txBody>
-      </p:sp>
-      <p:sp>
-        <p:nvSpPr>
-          <p:cNvPr id="6" name="页脚占位符 5">
-            <a:extLst>
-              <a:ext uri="{FF2B5EF4-FFF2-40B4-BE49-F238E27FC236}">
-                <a16:creationId xmlns:a16="http://schemas.microsoft.com/office/drawing/2014/main" id="{0CF8B873-11B3-8A43-9A9C-860FB73713B4}"/>
-              </a:ext>
-            </a:extLst>
-          </p:cNvPr>
-          <p:cNvSpPr>
-            <a:spLocks noGrp="1"/>
-          </p:cNvSpPr>
-          <p:nvPr>
-            <p:ph type="ftr" sz="quarter" idx="13"/>
-          </p:nvPr>
-        </p:nvSpPr>
-        <p:spPr/>
-        <p:txBody>
-          <a:bodyPr/>
-          <a:lstStyle/>
-          <a:p>
-            <a:pPr algn="l"/>
-            <a:r>
-              <a:rPr lang="de-DE" dirty="0"/>
-              <a:t>Prof. Dr. Max Mustermann |  Name </a:t>
-            </a:r>
-            <a:r>
-              <a:rPr lang="de-DE" dirty="0" err="1"/>
-              <a:t>of</a:t>
-            </a:r>
-            <a:r>
-              <a:rPr lang="de-DE" dirty="0"/>
-              <a:t> </a:t>
-            </a:r>
-            <a:r>
-              <a:rPr lang="de-DE" dirty="0" err="1"/>
-              <a:t>Faculty</a:t>
-            </a:r>
-            <a:endParaRPr lang="de-DE" dirty="0"/>
-          </a:p>
-        </p:txBody>
-      </p:sp>
-      <p:sp>
-        <p:nvSpPr>
-          <p:cNvPr id="4" name="内容占位符 3">
-            <a:extLst>
-              <a:ext uri="{FF2B5EF4-FFF2-40B4-BE49-F238E27FC236}">
-                <a16:creationId xmlns:a16="http://schemas.microsoft.com/office/drawing/2014/main" id="{E206E363-21F9-17A8-921A-156221502DA2}"/>
-              </a:ext>
-            </a:extLst>
-          </p:cNvPr>
-          <p:cNvSpPr>
-            <a:spLocks noGrp="1"/>
-          </p:cNvSpPr>
-          <p:nvPr>
-            <p:ph sz="quarter" idx="12"/>
-          </p:nvPr>
-        </p:nvSpPr>
-        <p:spPr/>
-        <p:txBody>
-          <a:bodyPr/>
-          <a:lstStyle/>
-          <a:p>
-            <a:endParaRPr lang="zh-CN" altLang="en-US" dirty="0"/>
-          </a:p>
-        </p:txBody>
-      </p:sp>
-      <p:sp>
-        <p:nvSpPr>
-          <p:cNvPr id="11" name="文本框 10">
-            <a:extLst>
-              <a:ext uri="{FF2B5EF4-FFF2-40B4-BE49-F238E27FC236}">
-                <a16:creationId xmlns:a16="http://schemas.microsoft.com/office/drawing/2014/main" id="{E68255C0-EA15-376A-7ED7-BF2CB20F0FD3}"/>
-              </a:ext>
-            </a:extLst>
-          </p:cNvPr>
-          <p:cNvSpPr txBox="1"/>
-          <p:nvPr/>
-        </p:nvSpPr>
-        <p:spPr>
-          <a:xfrm>
-            <a:off x="335360" y="1299416"/>
-            <a:ext cx="6108700" cy="5632311"/>
-          </a:xfrm>
-          <a:prstGeom prst="rect">
-            <a:avLst/>
-          </a:prstGeom>
-          <a:noFill/>
-        </p:spPr>
-        <p:txBody>
-          <a:bodyPr wrap="square">
-            <a:spAutoFit/>
-          </a:bodyPr>
-          <a:lstStyle/>
-          <a:p>
-            <a:pPr rtl="0" fontAlgn="ctr">
-              <a:spcBef>
-                <a:spcPts val="0"/>
-              </a:spcBef>
-              <a:spcAft>
-                <a:spcPts val="0"/>
-              </a:spcAft>
-              <a:buFont typeface="+mj-lt"/>
-              <a:buAutoNum type="arabicPeriod"/>
-            </a:pPr>
-            <a:r>
-              <a:rPr lang="zh-CN" altLang="zh-CN" sz="1800" b="0" i="0" dirty="0">
-                <a:effectLst/>
-                <a:ea typeface="Microsoft YaHei" panose="020B0503020204020204" pitchFamily="34" charset="-122"/>
-              </a:rPr>
-              <a:t>Write clear and specific instructions</a:t>
-            </a:r>
-            <a:endParaRPr lang="en-US" altLang="zh-CN" sz="1800" b="0" i="0" dirty="0">
-              <a:effectLst/>
-              <a:ea typeface="Microsoft YaHei" panose="020B0503020204020204" pitchFamily="34" charset="-122"/>
-            </a:endParaRPr>
-          </a:p>
-          <a:p>
-            <a:pPr lvl="1" fontAlgn="ctr">
-              <a:spcBef>
-                <a:spcPts val="0"/>
-              </a:spcBef>
-              <a:spcAft>
-                <a:spcPts val="0"/>
-              </a:spcAft>
-              <a:buFont typeface="+mj-lt"/>
-              <a:buAutoNum type="arabicPeriod"/>
-            </a:pPr>
-            <a:r>
-              <a:rPr lang="en-US" altLang="zh-CN" sz="1800" b="0" i="0" dirty="0" err="1">
-                <a:effectLst/>
-                <a:ea typeface="Microsoft YaHei" panose="020B0503020204020204" pitchFamily="34" charset="-122"/>
-              </a:rPr>
-              <a:t>使用分隔</a:t>
-            </a:r>
-            <a:r>
-              <a:rPr lang="zh-CN" altLang="zh-CN" sz="1800" b="0" i="0" dirty="0">
-                <a:effectLst/>
-                <a:ea typeface="Microsoft YaHei" panose="020B0503020204020204" pitchFamily="34" charset="-122"/>
-              </a:rPr>
-              <a:t>符</a:t>
-            </a:r>
-            <a:endParaRPr lang="zh-CN" altLang="zh-CN" sz="1800" b="0" i="0" dirty="0">
-              <a:effectLst/>
-              <a:ea typeface="Calibri" panose="020F0502020204030204" pitchFamily="34" charset="0"/>
-            </a:endParaRPr>
-          </a:p>
-          <a:p>
-            <a:pPr lvl="1" fontAlgn="ctr">
-              <a:spcBef>
-                <a:spcPts val="0"/>
-              </a:spcBef>
-              <a:spcAft>
-                <a:spcPts val="0"/>
-              </a:spcAft>
-              <a:buFont typeface="+mj-lt"/>
-              <a:buAutoNum type="arabicPeriod"/>
-            </a:pPr>
-            <a:r>
-              <a:rPr lang="zh-CN" altLang="en-US" b="0" i="0" dirty="0">
-                <a:effectLst/>
-                <a:ea typeface="Microsoft YaHei" panose="020B0503020204020204" pitchFamily="34" charset="-122"/>
-              </a:rPr>
-              <a:t>获得指定输出 </a:t>
-            </a:r>
-            <a:r>
-              <a:rPr lang="zh-CN" altLang="zh-CN" sz="1800" dirty="0">
-                <a:effectLst/>
-                <a:ea typeface="Microsoft YaHei" panose="020B0503020204020204" pitchFamily="34" charset="-122"/>
-              </a:rPr>
-              <a:t>如</a:t>
-            </a:r>
-            <a:r>
-              <a:rPr lang="en-US" altLang="zh-CN" sz="1800" dirty="0">
-                <a:effectLst/>
-                <a:ea typeface="Microsoft YaHei" panose="020B0503020204020204" pitchFamily="34" charset="-122"/>
-              </a:rPr>
-              <a:t>JSON</a:t>
-            </a:r>
-          </a:p>
-          <a:p>
-            <a:pPr lvl="1" fontAlgn="ctr">
-              <a:spcBef>
-                <a:spcPts val="0"/>
-              </a:spcBef>
-              <a:spcAft>
-                <a:spcPts val="0"/>
-              </a:spcAft>
-              <a:buFont typeface="+mj-lt"/>
-              <a:buAutoNum type="arabicPeriod"/>
-            </a:pPr>
-            <a:r>
-              <a:rPr lang="zh-CN" altLang="zh-CN" sz="1800" b="0" i="0" dirty="0">
-                <a:effectLst/>
-                <a:ea typeface="Microsoft YaHei" panose="020B0503020204020204" pitchFamily="34" charset="-122"/>
-              </a:rPr>
-              <a:t>让</a:t>
-            </a:r>
-            <a:r>
-              <a:rPr lang="en-US" altLang="zh-CN" sz="1800" b="0" i="0" dirty="0">
-                <a:effectLst/>
-                <a:ea typeface="Calibri" panose="020F0502020204030204" pitchFamily="34" charset="0"/>
-              </a:rPr>
-              <a:t>LLM</a:t>
-            </a:r>
-            <a:r>
-              <a:rPr lang="zh-CN" altLang="zh-CN" sz="1800" b="0" i="0" dirty="0">
-                <a:effectLst/>
-                <a:ea typeface="Microsoft YaHei" panose="020B0503020204020204" pitchFamily="34" charset="-122"/>
-              </a:rPr>
-              <a:t>检查文本是否满足条件</a:t>
-            </a:r>
-            <a:endParaRPr lang="zh-CN" altLang="zh-CN" sz="1800" b="0" i="0" dirty="0">
-              <a:effectLst/>
-              <a:ea typeface="Calibri" panose="020F0502020204030204" pitchFamily="34" charset="0"/>
-            </a:endParaRPr>
-          </a:p>
-          <a:p>
-            <a:pPr lvl="1" fontAlgn="ctr">
-              <a:spcBef>
-                <a:spcPts val="0"/>
-              </a:spcBef>
-              <a:spcAft>
-                <a:spcPts val="0"/>
-              </a:spcAft>
-              <a:buFont typeface="+mj-lt"/>
-              <a:buAutoNum type="arabicPeriod"/>
-            </a:pPr>
-            <a:r>
-              <a:rPr lang="zh-CN" altLang="zh-CN" sz="1800" dirty="0">
-                <a:effectLst/>
-                <a:ea typeface="Microsoft YaHei" panose="020B0503020204020204" pitchFamily="34" charset="-122"/>
-              </a:rPr>
-              <a:t>为模型提供几个问答的例子，让 LLM 熟悉这种风格</a:t>
-            </a:r>
-            <a:endParaRPr lang="en-US" altLang="zh-CN" b="0" i="0" dirty="0">
-              <a:effectLst/>
-              <a:ea typeface="Microsoft YaHei" panose="020B0503020204020204" pitchFamily="34" charset="-122"/>
-            </a:endParaRPr>
-          </a:p>
-          <a:p>
-            <a:pPr rtl="0" fontAlgn="ctr">
-              <a:spcBef>
-                <a:spcPts val="0"/>
-              </a:spcBef>
-              <a:spcAft>
-                <a:spcPts val="0"/>
-              </a:spcAft>
-              <a:buFont typeface="+mj-lt"/>
-              <a:buAutoNum type="arabicPeriod"/>
-            </a:pPr>
-            <a:endParaRPr lang="en-US" altLang="zh-CN" sz="1800" b="0" i="0" dirty="0">
-              <a:effectLst/>
-              <a:ea typeface="Microsoft YaHei" panose="020B0503020204020204" pitchFamily="34" charset="-122"/>
-            </a:endParaRPr>
-          </a:p>
-          <a:p>
-            <a:pPr fontAlgn="ctr">
-              <a:spcBef>
-                <a:spcPts val="0"/>
-              </a:spcBef>
-              <a:spcAft>
-                <a:spcPts val="0"/>
-              </a:spcAft>
-              <a:buFont typeface="+mj-lt"/>
-              <a:buAutoNum type="arabicPeriod"/>
-            </a:pPr>
-            <a:r>
-              <a:rPr lang="zh-CN" altLang="zh-CN" sz="1800" b="0" i="0" dirty="0">
-                <a:effectLst/>
-                <a:ea typeface="Microsoft YaHei" panose="020B0503020204020204" pitchFamily="34" charset="-122"/>
-              </a:rPr>
-              <a:t>Give the model time to think</a:t>
-            </a:r>
-            <a:endParaRPr lang="en-US" altLang="zh-CN" sz="1800" b="0" i="0" dirty="0">
-              <a:effectLst/>
-              <a:ea typeface="Microsoft YaHei" panose="020B0503020204020204" pitchFamily="34" charset="-122"/>
-            </a:endParaRPr>
-          </a:p>
-          <a:p>
-            <a:pPr lvl="1" fontAlgn="ctr">
-              <a:spcBef>
-                <a:spcPts val="0"/>
-              </a:spcBef>
-              <a:spcAft>
-                <a:spcPts val="0"/>
-              </a:spcAft>
-              <a:buFont typeface="+mj-lt"/>
-              <a:buAutoNum type="arabicPeriod"/>
-            </a:pPr>
-            <a:r>
-              <a:rPr lang="zh-CN" altLang="zh-CN" b="0" i="0" dirty="0">
-                <a:effectLst/>
-                <a:ea typeface="Microsoft YaHei" panose="020B0503020204020204" pitchFamily="34" charset="-122"/>
-              </a:rPr>
-              <a:t>明确完成任务所需的步骤</a:t>
-            </a:r>
-            <a:r>
-              <a:rPr lang="zh-CN" altLang="en-US" b="0" i="0" dirty="0">
-                <a:effectLst/>
-                <a:ea typeface="Microsoft YaHei" panose="020B0503020204020204" pitchFamily="34" charset="-122"/>
-              </a:rPr>
-              <a:t>：</a:t>
-            </a:r>
-            <a:r>
-              <a:rPr lang="en-US" altLang="zh-CN" b="0" i="0" dirty="0">
-                <a:effectLst/>
-                <a:ea typeface="Microsoft YaHei" panose="020B0503020204020204" pitchFamily="34" charset="-122"/>
-              </a:rPr>
-              <a:t>Step1, Step2</a:t>
-            </a:r>
-            <a:endParaRPr lang="zh-CN" altLang="zh-CN" b="0" i="0" dirty="0">
-              <a:effectLst/>
-              <a:ea typeface="Calibri" panose="020F0502020204030204" pitchFamily="34" charset="0"/>
-            </a:endParaRPr>
-          </a:p>
-          <a:p>
-            <a:pPr lvl="1" fontAlgn="ctr">
-              <a:spcBef>
-                <a:spcPts val="0"/>
-              </a:spcBef>
-              <a:spcAft>
-                <a:spcPts val="0"/>
-              </a:spcAft>
-              <a:buFont typeface="+mj-lt"/>
-              <a:buAutoNum type="arabicPeriod"/>
-            </a:pPr>
-            <a:r>
-              <a:rPr lang="zh-CN" altLang="zh-CN" sz="1800" dirty="0">
-                <a:effectLst/>
-                <a:ea typeface="Microsoft YaHei" panose="020B0503020204020204" pitchFamily="34" charset="-122"/>
-              </a:rPr>
-              <a:t>获取结构化的输出</a:t>
-            </a:r>
-            <a:r>
-              <a:rPr lang="en-US" altLang="zh-CN" sz="1800" dirty="0">
-                <a:effectLst/>
-                <a:ea typeface="Microsoft YaHei" panose="020B0503020204020204" pitchFamily="34" charset="-122"/>
-              </a:rPr>
-              <a:t>:</a:t>
-            </a:r>
-          </a:p>
-          <a:p>
-            <a:pPr lvl="1" fontAlgn="ctr">
-              <a:spcBef>
-                <a:spcPts val="0"/>
-              </a:spcBef>
-              <a:spcAft>
-                <a:spcPts val="0"/>
-              </a:spcAft>
-              <a:buFont typeface="+mj-lt"/>
-              <a:buAutoNum type="arabicPeriod"/>
-            </a:pPr>
-            <a:endParaRPr lang="zh-CN" altLang="zh-CN" b="0" i="0" dirty="0">
-              <a:effectLst/>
-              <a:ea typeface="Calibri" panose="020F0502020204030204" pitchFamily="34" charset="0"/>
-            </a:endParaRPr>
-          </a:p>
-          <a:p>
-            <a:pPr rtl="0" fontAlgn="ctr">
-              <a:spcBef>
-                <a:spcPts val="0"/>
-              </a:spcBef>
-              <a:spcAft>
-                <a:spcPts val="0"/>
-              </a:spcAft>
-              <a:buFont typeface="+mj-lt"/>
-              <a:buAutoNum type="arabicPeriod"/>
-            </a:pPr>
-            <a:r>
-              <a:rPr lang="en-US" altLang="zh-CN" sz="1800" dirty="0">
-                <a:effectLst/>
-                <a:ea typeface="Calibri" panose="020F0502020204030204" pitchFamily="34" charset="0"/>
-              </a:rPr>
-              <a:t>LLM</a:t>
-            </a:r>
-            <a:r>
-              <a:rPr lang="zh-CN" altLang="zh-CN" sz="1800" dirty="0">
-                <a:effectLst/>
-                <a:ea typeface="Microsoft YaHei" panose="020B0503020204020204" pitchFamily="34" charset="-122"/>
-              </a:rPr>
-              <a:t>的具体功能：</a:t>
-            </a:r>
-            <a:endParaRPr lang="en-US" altLang="zh-CN" dirty="0">
-              <a:ea typeface="Microsoft YaHei" panose="020B0503020204020204" pitchFamily="34" charset="-122"/>
-            </a:endParaRPr>
-          </a:p>
-          <a:p>
-            <a:pPr lvl="1" fontAlgn="ctr">
-              <a:spcBef>
-                <a:spcPts val="0"/>
-              </a:spcBef>
-              <a:spcAft>
-                <a:spcPts val="0"/>
-              </a:spcAft>
-              <a:buFont typeface="+mj-lt"/>
-              <a:buAutoNum type="arabicPeriod"/>
-            </a:pPr>
-            <a:r>
-              <a:rPr lang="zh-CN" altLang="zh-CN" b="0" i="0" dirty="0">
-                <a:effectLst/>
-                <a:ea typeface="Microsoft YaHei" panose="020B0503020204020204" pitchFamily="34" charset="-122"/>
-              </a:rPr>
-              <a:t>总结</a:t>
-            </a:r>
-            <a:r>
-              <a:rPr lang="en-US" altLang="zh-CN" b="0" i="0" dirty="0">
-                <a:effectLst/>
-                <a:ea typeface="Calibri" panose="020F0502020204030204" pitchFamily="34" charset="0"/>
-              </a:rPr>
-              <a:t>, </a:t>
-            </a:r>
-            <a:r>
-              <a:rPr lang="zh-CN" altLang="zh-CN" sz="1800" b="0" i="0" dirty="0">
-                <a:effectLst/>
-                <a:ea typeface="Microsoft YaHei" panose="020B0503020204020204" pitchFamily="34" charset="-122"/>
-              </a:rPr>
-              <a:t>推理（态度，情感，主题</a:t>
-            </a:r>
-            <a:r>
-              <a:rPr lang="zh-CN" altLang="en-US" dirty="0">
-                <a:ea typeface="Microsoft YaHei" panose="020B0503020204020204" pitchFamily="34" charset="-122"/>
-              </a:rPr>
-              <a:t>）</a:t>
-            </a:r>
-            <a:r>
-              <a:rPr lang="en-US" altLang="zh-CN" sz="1800" b="0" i="0" dirty="0">
-                <a:effectLst/>
-                <a:ea typeface="Microsoft YaHei" panose="020B0503020204020204" pitchFamily="34" charset="-122"/>
-              </a:rPr>
-              <a:t>, </a:t>
-            </a:r>
-            <a:r>
-              <a:rPr lang="zh-CN" altLang="zh-CN" sz="1800" b="0" i="0" dirty="0">
-                <a:effectLst/>
-                <a:ea typeface="Microsoft YaHei" panose="020B0503020204020204" pitchFamily="34" charset="-122"/>
-              </a:rPr>
-              <a:t>转换</a:t>
-            </a:r>
-            <a:r>
-              <a:rPr lang="zh-CN" altLang="en-US" dirty="0">
-                <a:ea typeface="Microsoft YaHei" panose="020B0503020204020204" pitchFamily="34" charset="-122"/>
-              </a:rPr>
-              <a:t>，</a:t>
-            </a:r>
-            <a:r>
-              <a:rPr lang="zh-CN" altLang="zh-CN" sz="1800" b="1" i="0" dirty="0">
-                <a:effectLst/>
-                <a:ea typeface="Microsoft YaHei" panose="020B0503020204020204" pitchFamily="34" charset="-122"/>
-              </a:rPr>
-              <a:t>扩展</a:t>
-            </a:r>
-            <a:endParaRPr lang="zh-CN" altLang="zh-CN" sz="1800" b="1" i="0" dirty="0">
-              <a:effectLst/>
-              <a:ea typeface="Calibri" panose="020F0502020204030204" pitchFamily="34" charset="0"/>
-            </a:endParaRPr>
-          </a:p>
-          <a:p>
-            <a:pPr rtl="0" fontAlgn="ctr">
-              <a:spcBef>
-                <a:spcPts val="0"/>
-              </a:spcBef>
-              <a:spcAft>
-                <a:spcPts val="0"/>
-              </a:spcAft>
-              <a:buFont typeface="+mj-lt"/>
-              <a:buAutoNum type="arabicPeriod"/>
-            </a:pPr>
-            <a:endParaRPr lang="en-US" altLang="zh-CN" dirty="0">
-              <a:ea typeface="Microsoft YaHei" panose="020B0503020204020204" pitchFamily="34" charset="-122"/>
-            </a:endParaRPr>
-          </a:p>
-          <a:p>
-            <a:pPr rtl="0" fontAlgn="ctr">
-              <a:spcBef>
-                <a:spcPts val="0"/>
-              </a:spcBef>
-              <a:spcAft>
-                <a:spcPts val="0"/>
-              </a:spcAft>
-              <a:buFont typeface="+mj-lt"/>
-              <a:buAutoNum type="arabicPeriod"/>
-            </a:pPr>
-            <a:r>
-              <a:rPr lang="zh-CN" altLang="zh-CN" sz="1800" dirty="0">
-                <a:effectLst/>
-                <a:ea typeface="Microsoft YaHei" panose="020B0503020204020204" pitchFamily="34" charset="-122"/>
-              </a:rPr>
-              <a:t>迭代优化</a:t>
-            </a:r>
-            <a:r>
-              <a:rPr lang="en-US" altLang="zh-CN" sz="1800" dirty="0">
-                <a:effectLst/>
-                <a:ea typeface="Microsoft YaHei" panose="020B0503020204020204" pitchFamily="34" charset="-122"/>
-              </a:rPr>
-              <a:t>:</a:t>
-            </a:r>
-          </a:p>
-          <a:p>
-            <a:pPr lvl="1" fontAlgn="ctr">
-              <a:spcBef>
-                <a:spcPts val="0"/>
-              </a:spcBef>
-              <a:spcAft>
-                <a:spcPts val="0"/>
-              </a:spcAft>
-              <a:buFont typeface="+mj-lt"/>
-              <a:buAutoNum type="arabicPeriod"/>
-            </a:pPr>
-            <a:r>
-              <a:rPr lang="zh-CN" altLang="zh-CN" sz="1800" b="0" i="0" dirty="0">
-                <a:effectLst/>
-                <a:ea typeface="Microsoft YaHei" panose="020B0503020204020204" pitchFamily="34" charset="-122"/>
-              </a:rPr>
-              <a:t>更明确地聚焦于某个方面</a:t>
-            </a:r>
-            <a:r>
-              <a:rPr lang="en-US" altLang="zh-CN" sz="1800" b="0" i="0" dirty="0">
-                <a:effectLst/>
-                <a:ea typeface="Microsoft YaHei" panose="020B0503020204020204" pitchFamily="34" charset="-122"/>
-              </a:rPr>
-              <a:t>:</a:t>
-            </a:r>
-          </a:p>
-          <a:p>
-            <a:pPr lvl="1" fontAlgn="ctr">
-              <a:spcBef>
-                <a:spcPts val="0"/>
-              </a:spcBef>
-              <a:spcAft>
-                <a:spcPts val="0"/>
-              </a:spcAft>
-            </a:pPr>
-            <a:r>
-              <a:rPr lang="en-US" altLang="zh-CN" dirty="0" err="1">
-                <a:ea typeface="Microsoft YaHei" panose="020B0503020204020204" pitchFamily="34" charset="-122"/>
-              </a:rPr>
-              <a:t>Bsp</a:t>
-            </a:r>
-            <a:r>
-              <a:rPr lang="en-US" altLang="zh-CN" dirty="0">
-                <a:ea typeface="Microsoft YaHei" panose="020B0503020204020204" pitchFamily="34" charset="-122"/>
-              </a:rPr>
-              <a:t>:</a:t>
-            </a:r>
-            <a:r>
-              <a:rPr lang="zh-CN" altLang="zh-CN" sz="1800" b="0" i="0" dirty="0">
-                <a:effectLst/>
-                <a:ea typeface="Microsoft YaHei" panose="020B0503020204020204" pitchFamily="34" charset="-122"/>
-              </a:rPr>
-              <a:t>The description is intended for furniture retailers, so should be technical in nature and focus on the materials the product is constructed from.</a:t>
-            </a:r>
-            <a:endParaRPr lang="zh-CN" altLang="zh-CN" sz="1800" b="0" i="0" dirty="0">
-              <a:effectLst/>
-              <a:ea typeface="Calibri" panose="020F0502020204030204" pitchFamily="34" charset="0"/>
-            </a:endParaRPr>
-          </a:p>
-          <a:p>
-            <a:pPr lvl="1" fontAlgn="ctr">
-              <a:spcBef>
-                <a:spcPts val="0"/>
-              </a:spcBef>
-              <a:spcAft>
-                <a:spcPts val="0"/>
-              </a:spcAft>
-            </a:pPr>
-            <a:endParaRPr lang="zh-CN" altLang="zh-CN" sz="1800" b="0" i="0" dirty="0">
-              <a:effectLst/>
-              <a:ea typeface="Calibri" panose="020F0502020204030204" pitchFamily="34" charset="0"/>
-            </a:endParaRPr>
-          </a:p>
-          <a:p>
-            <a:pPr lvl="1" fontAlgn="ctr">
-              <a:spcBef>
-                <a:spcPts val="0"/>
-              </a:spcBef>
-              <a:spcAft>
-                <a:spcPts val="0"/>
-              </a:spcAft>
-              <a:buFont typeface="+mj-lt"/>
-              <a:buAutoNum type="arabicPeriod"/>
-            </a:pPr>
-            <a:endParaRPr lang="zh-CN" altLang="zh-CN" b="0" i="0" dirty="0">
-              <a:effectLst/>
-              <a:ea typeface="Calibri" panose="020F0502020204030204" pitchFamily="34" charset="0"/>
-            </a:endParaRPr>
-          </a:p>
-        </p:txBody>
-      </p:sp>
-      <p:sp>
-        <p:nvSpPr>
-          <p:cNvPr id="5" name="内容占位符 4">
-            <a:extLst>
-              <a:ext uri="{FF2B5EF4-FFF2-40B4-BE49-F238E27FC236}">
-                <a16:creationId xmlns:a16="http://schemas.microsoft.com/office/drawing/2014/main" id="{534482DA-A823-66A0-7C90-AB5564F02CBB}"/>
-              </a:ext>
-            </a:extLst>
-          </p:cNvPr>
-          <p:cNvSpPr>
-            <a:spLocks noGrp="1"/>
-          </p:cNvSpPr>
-          <p:nvPr>
-            <p:ph sz="quarter" idx="11"/>
-          </p:nvPr>
-        </p:nvSpPr>
-        <p:spPr/>
-        <p:txBody>
-          <a:bodyPr/>
-          <a:lstStyle/>
-          <a:p>
-            <a:r>
-              <a:rPr lang="en-US" altLang="de-DE" sz="1800" kern="0" dirty="0"/>
-              <a:t>Generate explanations for time-series classif</a:t>
-            </a:r>
-            <a:r>
-              <a:rPr lang="en-US" altLang="zh-CN" sz="1800" kern="0" dirty="0"/>
-              <a:t>ication</a:t>
-            </a:r>
-            <a:r>
-              <a:rPr lang="en-US" altLang="de-DE" sz="1800" kern="0" dirty="0"/>
-              <a:t> by ChatGPT</a:t>
-            </a:r>
-            <a:endParaRPr lang="zh-CN" altLang="en-US" b="0" dirty="0"/>
-          </a:p>
-        </p:txBody>
-      </p:sp>
-    </p:spTree>
-    <p:extLst>
-      <p:ext uri="{BB962C8B-B14F-4D97-AF65-F5344CB8AC3E}">
-        <p14:creationId xmlns:p14="http://schemas.microsoft.com/office/powerpoint/2010/main" val="726427121"/>
       </p:ext>
     </p:extLst>
   </p:cSld>
